--- a/Expo.pptx
+++ b/Expo.pptx
@@ -4,15 +4,27 @@
   <p:sldMasterIdLst>
     <p:sldMasterId id="2147483792" r:id="rId1"/>
   </p:sldMasterIdLst>
+  <p:notesMasterIdLst>
+    <p:notesMasterId r:id="rId19"/>
+  </p:notesMasterIdLst>
   <p:sldIdLst>
     <p:sldId id="256" r:id="rId2"/>
     <p:sldId id="257" r:id="rId3"/>
-    <p:sldId id="258" r:id="rId4"/>
-    <p:sldId id="259" r:id="rId5"/>
-    <p:sldId id="260" r:id="rId6"/>
-    <p:sldId id="261" r:id="rId7"/>
-    <p:sldId id="262" r:id="rId8"/>
-    <p:sldId id="263" r:id="rId9"/>
+    <p:sldId id="264" r:id="rId4"/>
+    <p:sldId id="260" r:id="rId5"/>
+    <p:sldId id="261" r:id="rId6"/>
+    <p:sldId id="274" r:id="rId7"/>
+    <p:sldId id="259" r:id="rId8"/>
+    <p:sldId id="262" r:id="rId9"/>
+    <p:sldId id="265" r:id="rId10"/>
+    <p:sldId id="266" r:id="rId11"/>
+    <p:sldId id="267" r:id="rId12"/>
+    <p:sldId id="268" r:id="rId13"/>
+    <p:sldId id="273" r:id="rId14"/>
+    <p:sldId id="269" r:id="rId15"/>
+    <p:sldId id="271" r:id="rId16"/>
+    <p:sldId id="270" r:id="rId17"/>
+    <p:sldId id="272" r:id="rId18"/>
   </p:sldIdLst>
   <p:sldSz cx="9144000" cy="6858000" type="screen4x3"/>
   <p:notesSz cx="6858000" cy="9144000"/>
@@ -114,6 +126,434 @@
 </p:presentation>
 </file>
 
+<file path=ppt/notesMasters/notesMaster1.xml><?xml version="1.0" encoding="utf-8"?>
+<p:notesMaster xmlns:a="http://schemas.openxmlformats.org/drawingml/2006/main" xmlns:r="http://schemas.openxmlformats.org/officeDocument/2006/relationships" xmlns:p="http://schemas.openxmlformats.org/presentationml/2006/main">
+  <p:cSld>
+    <p:bg>
+      <p:bgRef idx="1001">
+        <a:schemeClr val="bg1"/>
+      </p:bgRef>
+    </p:bg>
+    <p:spTree>
+      <p:nvGrpSpPr>
+        <p:cNvPr id="1" name=""/>
+        <p:cNvGrpSpPr/>
+        <p:nvPr/>
+      </p:nvGrpSpPr>
+      <p:grpSpPr>
+        <a:xfrm>
+          <a:off x="0" y="0"/>
+          <a:ext cx="0" cy="0"/>
+          <a:chOff x="0" y="0"/>
+          <a:chExt cx="0" cy="0"/>
+        </a:xfrm>
+      </p:grpSpPr>
+      <p:sp>
+        <p:nvSpPr>
+          <p:cNvPr id="2" name="1 Marcador de encabezado"/>
+          <p:cNvSpPr>
+            <a:spLocks noGrp="1"/>
+          </p:cNvSpPr>
+          <p:nvPr>
+            <p:ph type="hdr" sz="quarter"/>
+          </p:nvPr>
+        </p:nvSpPr>
+        <p:spPr>
+          <a:xfrm>
+            <a:off x="0" y="0"/>
+            <a:ext cx="2971800" cy="457200"/>
+          </a:xfrm>
+          <a:prstGeom prst="rect">
+            <a:avLst/>
+          </a:prstGeom>
+        </p:spPr>
+        <p:txBody>
+          <a:bodyPr vert="horz" lIns="91440" tIns="45720" rIns="91440" bIns="45720" rtlCol="0"/>
+          <a:lstStyle>
+            <a:lvl1pPr algn="l">
+              <a:defRPr sz="1200"/>
+            </a:lvl1pPr>
+          </a:lstStyle>
+          <a:p>
+            <a:endParaRPr lang="es-HN"/>
+          </a:p>
+        </p:txBody>
+      </p:sp>
+      <p:sp>
+        <p:nvSpPr>
+          <p:cNvPr id="3" name="2 Marcador de fecha"/>
+          <p:cNvSpPr>
+            <a:spLocks noGrp="1"/>
+          </p:cNvSpPr>
+          <p:nvPr>
+            <p:ph type="dt" idx="1"/>
+          </p:nvPr>
+        </p:nvSpPr>
+        <p:spPr>
+          <a:xfrm>
+            <a:off x="3884613" y="0"/>
+            <a:ext cx="2971800" cy="457200"/>
+          </a:xfrm>
+          <a:prstGeom prst="rect">
+            <a:avLst/>
+          </a:prstGeom>
+        </p:spPr>
+        <p:txBody>
+          <a:bodyPr vert="horz" lIns="91440" tIns="45720" rIns="91440" bIns="45720" rtlCol="0"/>
+          <a:lstStyle>
+            <a:lvl1pPr algn="r">
+              <a:defRPr sz="1200"/>
+            </a:lvl1pPr>
+          </a:lstStyle>
+          <a:p>
+            <a:fld id="{C9153C30-4F9A-493B-9B61-0D1DCEB44C71}" type="datetimeFigureOut">
+              <a:rPr lang="es-HN" smtClean="0"/>
+              <a:t>12/03/2010</a:t>
+            </a:fld>
+            <a:endParaRPr lang="es-HN"/>
+          </a:p>
+        </p:txBody>
+      </p:sp>
+      <p:sp>
+        <p:nvSpPr>
+          <p:cNvPr id="4" name="3 Marcador de imagen de diapositiva"/>
+          <p:cNvSpPr>
+            <a:spLocks noGrp="1" noRot="1" noChangeAspect="1"/>
+          </p:cNvSpPr>
+          <p:nvPr>
+            <p:ph type="sldImg" idx="2"/>
+          </p:nvPr>
+        </p:nvSpPr>
+        <p:spPr>
+          <a:xfrm>
+            <a:off x="1143000" y="685800"/>
+            <a:ext cx="4572000" cy="3429000"/>
+          </a:xfrm>
+          <a:prstGeom prst="rect">
+            <a:avLst/>
+          </a:prstGeom>
+          <a:noFill/>
+          <a:ln w="12700">
+            <a:solidFill>
+              <a:prstClr val="black"/>
+            </a:solidFill>
+          </a:ln>
+        </p:spPr>
+        <p:txBody>
+          <a:bodyPr vert="horz" lIns="91440" tIns="45720" rIns="91440" bIns="45720" rtlCol="0" anchor="ctr"/>
+          <a:lstStyle/>
+          <a:p>
+            <a:endParaRPr lang="es-HN"/>
+          </a:p>
+        </p:txBody>
+      </p:sp>
+      <p:sp>
+        <p:nvSpPr>
+          <p:cNvPr id="5" name="4 Marcador de notas"/>
+          <p:cNvSpPr>
+            <a:spLocks noGrp="1"/>
+          </p:cNvSpPr>
+          <p:nvPr>
+            <p:ph type="body" sz="quarter" idx="3"/>
+          </p:nvPr>
+        </p:nvSpPr>
+        <p:spPr>
+          <a:xfrm>
+            <a:off x="685800" y="4343400"/>
+            <a:ext cx="5486400" cy="4114800"/>
+          </a:xfrm>
+          <a:prstGeom prst="rect">
+            <a:avLst/>
+          </a:prstGeom>
+        </p:spPr>
+        <p:txBody>
+          <a:bodyPr vert="horz" lIns="91440" tIns="45720" rIns="91440" bIns="45720" rtlCol="0">
+            <a:normAutofit/>
+          </a:bodyPr>
+          <a:lstStyle/>
+          <a:p>
+            <a:pPr lvl="0"/>
+            <a:r>
+              <a:rPr lang="es-ES" smtClean="0"/>
+              <a:t>Haga clic para modificar el estilo de texto del patrón</a:t>
+            </a:r>
+          </a:p>
+          <a:p>
+            <a:pPr lvl="1"/>
+            <a:r>
+              <a:rPr lang="es-ES" smtClean="0"/>
+              <a:t>Segundo nivel</a:t>
+            </a:r>
+          </a:p>
+          <a:p>
+            <a:pPr lvl="2"/>
+            <a:r>
+              <a:rPr lang="es-ES" smtClean="0"/>
+              <a:t>Tercer nivel</a:t>
+            </a:r>
+          </a:p>
+          <a:p>
+            <a:pPr lvl="3"/>
+            <a:r>
+              <a:rPr lang="es-ES" smtClean="0"/>
+              <a:t>Cuarto nivel</a:t>
+            </a:r>
+          </a:p>
+          <a:p>
+            <a:pPr lvl="4"/>
+            <a:r>
+              <a:rPr lang="es-ES" smtClean="0"/>
+              <a:t>Quinto nivel</a:t>
+            </a:r>
+            <a:endParaRPr lang="es-HN"/>
+          </a:p>
+        </p:txBody>
+      </p:sp>
+      <p:sp>
+        <p:nvSpPr>
+          <p:cNvPr id="6" name="5 Marcador de pie de página"/>
+          <p:cNvSpPr>
+            <a:spLocks noGrp="1"/>
+          </p:cNvSpPr>
+          <p:nvPr>
+            <p:ph type="ftr" sz="quarter" idx="4"/>
+          </p:nvPr>
+        </p:nvSpPr>
+        <p:spPr>
+          <a:xfrm>
+            <a:off x="0" y="8685213"/>
+            <a:ext cx="2971800" cy="457200"/>
+          </a:xfrm>
+          <a:prstGeom prst="rect">
+            <a:avLst/>
+          </a:prstGeom>
+        </p:spPr>
+        <p:txBody>
+          <a:bodyPr vert="horz" lIns="91440" tIns="45720" rIns="91440" bIns="45720" rtlCol="0" anchor="b"/>
+          <a:lstStyle>
+            <a:lvl1pPr algn="l">
+              <a:defRPr sz="1200"/>
+            </a:lvl1pPr>
+          </a:lstStyle>
+          <a:p>
+            <a:endParaRPr lang="es-HN"/>
+          </a:p>
+        </p:txBody>
+      </p:sp>
+      <p:sp>
+        <p:nvSpPr>
+          <p:cNvPr id="7" name="6 Marcador de número de diapositiva"/>
+          <p:cNvSpPr>
+            <a:spLocks noGrp="1"/>
+          </p:cNvSpPr>
+          <p:nvPr>
+            <p:ph type="sldNum" sz="quarter" idx="5"/>
+          </p:nvPr>
+        </p:nvSpPr>
+        <p:spPr>
+          <a:xfrm>
+            <a:off x="3884613" y="8685213"/>
+            <a:ext cx="2971800" cy="457200"/>
+          </a:xfrm>
+          <a:prstGeom prst="rect">
+            <a:avLst/>
+          </a:prstGeom>
+        </p:spPr>
+        <p:txBody>
+          <a:bodyPr vert="horz" lIns="91440" tIns="45720" rIns="91440" bIns="45720" rtlCol="0" anchor="b"/>
+          <a:lstStyle>
+            <a:lvl1pPr algn="r">
+              <a:defRPr sz="1200"/>
+            </a:lvl1pPr>
+          </a:lstStyle>
+          <a:p>
+            <a:fld id="{3A2D96B6-025E-4A70-97D5-00A3D314FF75}" type="slidenum">
+              <a:rPr lang="es-HN" smtClean="0"/>
+              <a:t>‹Nº›</a:t>
+            </a:fld>
+            <a:endParaRPr lang="es-HN"/>
+          </a:p>
+        </p:txBody>
+      </p:sp>
+    </p:spTree>
+  </p:cSld>
+  <p:clrMap bg1="lt1" tx1="dk1" bg2="lt2" tx2="dk2" accent1="accent1" accent2="accent2" accent3="accent3" accent4="accent4" accent5="accent5" accent6="accent6" hlink="hlink" folHlink="folHlink"/>
+  <p:notesStyle>
+    <a:lvl1pPr marL="0" algn="l" defTabSz="914400" rtl="0" eaLnBrk="1" latinLnBrk="0" hangingPunct="1">
+      <a:defRPr sz="1200" kern="1200">
+        <a:solidFill>
+          <a:schemeClr val="tx1"/>
+        </a:solidFill>
+        <a:latin typeface="+mn-lt"/>
+        <a:ea typeface="+mn-ea"/>
+        <a:cs typeface="+mn-cs"/>
+      </a:defRPr>
+    </a:lvl1pPr>
+    <a:lvl2pPr marL="457200" algn="l" defTabSz="914400" rtl="0" eaLnBrk="1" latinLnBrk="0" hangingPunct="1">
+      <a:defRPr sz="1200" kern="1200">
+        <a:solidFill>
+          <a:schemeClr val="tx1"/>
+        </a:solidFill>
+        <a:latin typeface="+mn-lt"/>
+        <a:ea typeface="+mn-ea"/>
+        <a:cs typeface="+mn-cs"/>
+      </a:defRPr>
+    </a:lvl2pPr>
+    <a:lvl3pPr marL="914400" algn="l" defTabSz="914400" rtl="0" eaLnBrk="1" latinLnBrk="0" hangingPunct="1">
+      <a:defRPr sz="1200" kern="1200">
+        <a:solidFill>
+          <a:schemeClr val="tx1"/>
+        </a:solidFill>
+        <a:latin typeface="+mn-lt"/>
+        <a:ea typeface="+mn-ea"/>
+        <a:cs typeface="+mn-cs"/>
+      </a:defRPr>
+    </a:lvl3pPr>
+    <a:lvl4pPr marL="1371600" algn="l" defTabSz="914400" rtl="0" eaLnBrk="1" latinLnBrk="0" hangingPunct="1">
+      <a:defRPr sz="1200" kern="1200">
+        <a:solidFill>
+          <a:schemeClr val="tx1"/>
+        </a:solidFill>
+        <a:latin typeface="+mn-lt"/>
+        <a:ea typeface="+mn-ea"/>
+        <a:cs typeface="+mn-cs"/>
+      </a:defRPr>
+    </a:lvl4pPr>
+    <a:lvl5pPr marL="1828800" algn="l" defTabSz="914400" rtl="0" eaLnBrk="1" latinLnBrk="0" hangingPunct="1">
+      <a:defRPr sz="1200" kern="1200">
+        <a:solidFill>
+          <a:schemeClr val="tx1"/>
+        </a:solidFill>
+        <a:latin typeface="+mn-lt"/>
+        <a:ea typeface="+mn-ea"/>
+        <a:cs typeface="+mn-cs"/>
+      </a:defRPr>
+    </a:lvl5pPr>
+    <a:lvl6pPr marL="2286000" algn="l" defTabSz="914400" rtl="0" eaLnBrk="1" latinLnBrk="0" hangingPunct="1">
+      <a:defRPr sz="1200" kern="1200">
+        <a:solidFill>
+          <a:schemeClr val="tx1"/>
+        </a:solidFill>
+        <a:latin typeface="+mn-lt"/>
+        <a:ea typeface="+mn-ea"/>
+        <a:cs typeface="+mn-cs"/>
+      </a:defRPr>
+    </a:lvl6pPr>
+    <a:lvl7pPr marL="2743200" algn="l" defTabSz="914400" rtl="0" eaLnBrk="1" latinLnBrk="0" hangingPunct="1">
+      <a:defRPr sz="1200" kern="1200">
+        <a:solidFill>
+          <a:schemeClr val="tx1"/>
+        </a:solidFill>
+        <a:latin typeface="+mn-lt"/>
+        <a:ea typeface="+mn-ea"/>
+        <a:cs typeface="+mn-cs"/>
+      </a:defRPr>
+    </a:lvl7pPr>
+    <a:lvl8pPr marL="3200400" algn="l" defTabSz="914400" rtl="0" eaLnBrk="1" latinLnBrk="0" hangingPunct="1">
+      <a:defRPr sz="1200" kern="1200">
+        <a:solidFill>
+          <a:schemeClr val="tx1"/>
+        </a:solidFill>
+        <a:latin typeface="+mn-lt"/>
+        <a:ea typeface="+mn-ea"/>
+        <a:cs typeface="+mn-cs"/>
+      </a:defRPr>
+    </a:lvl8pPr>
+    <a:lvl9pPr marL="3657600" algn="l" defTabSz="914400" rtl="0" eaLnBrk="1" latinLnBrk="0" hangingPunct="1">
+      <a:defRPr sz="1200" kern="1200">
+        <a:solidFill>
+          <a:schemeClr val="tx1"/>
+        </a:solidFill>
+        <a:latin typeface="+mn-lt"/>
+        <a:ea typeface="+mn-ea"/>
+        <a:cs typeface="+mn-cs"/>
+      </a:defRPr>
+    </a:lvl9pPr>
+  </p:notesStyle>
+</p:notesMaster>
+</file>
+
+<file path=ppt/notesSlides/notesSlide1.xml><?xml version="1.0" encoding="utf-8"?>
+<p:notes xmlns:a="http://schemas.openxmlformats.org/drawingml/2006/main" xmlns:r="http://schemas.openxmlformats.org/officeDocument/2006/relationships" xmlns:p="http://schemas.openxmlformats.org/presentationml/2006/main">
+  <p:cSld>
+    <p:spTree>
+      <p:nvGrpSpPr>
+        <p:cNvPr id="1" name=""/>
+        <p:cNvGrpSpPr/>
+        <p:nvPr/>
+      </p:nvGrpSpPr>
+      <p:grpSpPr>
+        <a:xfrm>
+          <a:off x="0" y="0"/>
+          <a:ext cx="0" cy="0"/>
+          <a:chOff x="0" y="0"/>
+          <a:chExt cx="0" cy="0"/>
+        </a:xfrm>
+      </p:grpSpPr>
+      <p:sp>
+        <p:nvSpPr>
+          <p:cNvPr id="2" name="1 Marcador de imagen de diapositiva"/>
+          <p:cNvSpPr>
+            <a:spLocks noGrp="1" noRot="1" noChangeAspect="1"/>
+          </p:cNvSpPr>
+          <p:nvPr>
+            <p:ph type="sldImg"/>
+          </p:nvPr>
+        </p:nvSpPr>
+        <p:spPr/>
+      </p:sp>
+      <p:sp>
+        <p:nvSpPr>
+          <p:cNvPr id="3" name="2 Marcador de notas"/>
+          <p:cNvSpPr>
+            <a:spLocks noGrp="1"/>
+          </p:cNvSpPr>
+          <p:nvPr>
+            <p:ph type="body" idx="1"/>
+          </p:nvPr>
+        </p:nvSpPr>
+        <p:spPr/>
+        <p:txBody>
+          <a:bodyPr>
+            <a:normAutofit/>
+          </a:bodyPr>
+          <a:lstStyle/>
+          <a:p>
+            <a:endParaRPr lang="es-HN" dirty="0"/>
+          </a:p>
+        </p:txBody>
+      </p:sp>
+      <p:sp>
+        <p:nvSpPr>
+          <p:cNvPr id="4" name="3 Marcador de número de diapositiva"/>
+          <p:cNvSpPr>
+            <a:spLocks noGrp="1"/>
+          </p:cNvSpPr>
+          <p:nvPr>
+            <p:ph type="sldNum" sz="quarter" idx="10"/>
+          </p:nvPr>
+        </p:nvSpPr>
+        <p:spPr/>
+        <p:txBody>
+          <a:bodyPr/>
+          <a:lstStyle/>
+          <a:p>
+            <a:fld id="{3A2D96B6-025E-4A70-97D5-00A3D314FF75}" type="slidenum">
+              <a:rPr lang="es-HN" smtClean="0"/>
+              <a:t>15</a:t>
+            </a:fld>
+            <a:endParaRPr lang="es-HN"/>
+          </a:p>
+        </p:txBody>
+      </p:sp>
+    </p:spTree>
+  </p:cSld>
+  <p:clrMapOvr>
+    <a:masterClrMapping/>
+  </p:clrMapOvr>
+</p:notes>
+</file>
+
 <file path=ppt/slideLayouts/slideLayout1.xml><?xml version="1.0" encoding="utf-8"?>
 <p:sldLayout xmlns:a="http://schemas.openxmlformats.org/drawingml/2006/main" xmlns:r="http://schemas.openxmlformats.org/officeDocument/2006/relationships" xmlns:p="http://schemas.openxmlformats.org/presentationml/2006/main" type="title" preserve="1">
   <p:cSld name="Diapositiva de título">
@@ -295,7 +735,8 @@
           <a:p>
             <a:fld id="{080182E8-4CCC-4C22-8B02-6F339A6057CF}" type="datetimeFigureOut">
               <a:rPr lang="es-HN" smtClean="0"/>
-              <a:t>02/03/2010</a:t>
+              <a:pPr/>
+              <a:t>12/03/2010</a:t>
             </a:fld>
             <a:endParaRPr lang="es-HN"/>
           </a:p>
@@ -337,6 +778,7 @@
           <a:p>
             <a:fld id="{683302FF-1BA4-4AFA-88DF-EAB884E37B73}" type="slidenum">
               <a:rPr lang="es-HN" smtClean="0"/>
+              <a:pPr/>
               <a:t>‹Nº›</a:t>
             </a:fld>
             <a:endParaRPr lang="es-HN"/>
@@ -460,7 +902,8 @@
           <a:p>
             <a:fld id="{080182E8-4CCC-4C22-8B02-6F339A6057CF}" type="datetimeFigureOut">
               <a:rPr lang="es-HN" smtClean="0"/>
-              <a:t>02/03/2010</a:t>
+              <a:pPr/>
+              <a:t>12/03/2010</a:t>
             </a:fld>
             <a:endParaRPr lang="es-HN"/>
           </a:p>
@@ -502,6 +945,7 @@
           <a:p>
             <a:fld id="{683302FF-1BA4-4AFA-88DF-EAB884E37B73}" type="slidenum">
               <a:rPr lang="es-HN" smtClean="0"/>
+              <a:pPr/>
               <a:t>‹Nº›</a:t>
             </a:fld>
             <a:endParaRPr lang="es-HN"/>
@@ -635,7 +1079,8 @@
           <a:p>
             <a:fld id="{080182E8-4CCC-4C22-8B02-6F339A6057CF}" type="datetimeFigureOut">
               <a:rPr lang="es-HN" smtClean="0"/>
-              <a:t>02/03/2010</a:t>
+              <a:pPr/>
+              <a:t>12/03/2010</a:t>
             </a:fld>
             <a:endParaRPr lang="es-HN"/>
           </a:p>
@@ -677,6 +1122,7 @@
           <a:p>
             <a:fld id="{683302FF-1BA4-4AFA-88DF-EAB884E37B73}" type="slidenum">
               <a:rPr lang="es-HN" smtClean="0"/>
+              <a:pPr/>
               <a:t>‹Nº›</a:t>
             </a:fld>
             <a:endParaRPr lang="es-HN"/>
@@ -800,7 +1246,8 @@
           <a:p>
             <a:fld id="{080182E8-4CCC-4C22-8B02-6F339A6057CF}" type="datetimeFigureOut">
               <a:rPr lang="es-HN" smtClean="0"/>
-              <a:t>02/03/2010</a:t>
+              <a:pPr/>
+              <a:t>12/03/2010</a:t>
             </a:fld>
             <a:endParaRPr lang="es-HN"/>
           </a:p>
@@ -842,6 +1289,7 @@
           <a:p>
             <a:fld id="{683302FF-1BA4-4AFA-88DF-EAB884E37B73}" type="slidenum">
               <a:rPr lang="es-HN" smtClean="0"/>
+              <a:pPr/>
               <a:t>‹Nº›</a:t>
             </a:fld>
             <a:endParaRPr lang="es-HN"/>
@@ -1041,7 +1489,8 @@
           <a:p>
             <a:fld id="{080182E8-4CCC-4C22-8B02-6F339A6057CF}" type="datetimeFigureOut">
               <a:rPr lang="es-HN" smtClean="0"/>
-              <a:t>02/03/2010</a:t>
+              <a:pPr/>
+              <a:t>12/03/2010</a:t>
             </a:fld>
             <a:endParaRPr lang="es-HN"/>
           </a:p>
@@ -1083,6 +1532,7 @@
           <a:p>
             <a:fld id="{683302FF-1BA4-4AFA-88DF-EAB884E37B73}" type="slidenum">
               <a:rPr lang="es-HN" smtClean="0"/>
+              <a:pPr/>
               <a:t>‹Nº›</a:t>
             </a:fld>
             <a:endParaRPr lang="es-HN"/>
@@ -1324,7 +1774,8 @@
           <a:p>
             <a:fld id="{080182E8-4CCC-4C22-8B02-6F339A6057CF}" type="datetimeFigureOut">
               <a:rPr lang="es-HN" smtClean="0"/>
-              <a:t>02/03/2010</a:t>
+              <a:pPr/>
+              <a:t>12/03/2010</a:t>
             </a:fld>
             <a:endParaRPr lang="es-HN"/>
           </a:p>
@@ -1366,6 +1817,7 @@
           <a:p>
             <a:fld id="{683302FF-1BA4-4AFA-88DF-EAB884E37B73}" type="slidenum">
               <a:rPr lang="es-HN" smtClean="0"/>
+              <a:pPr/>
               <a:t>‹Nº›</a:t>
             </a:fld>
             <a:endParaRPr lang="es-HN"/>
@@ -1741,7 +2193,8 @@
           <a:p>
             <a:fld id="{080182E8-4CCC-4C22-8B02-6F339A6057CF}" type="datetimeFigureOut">
               <a:rPr lang="es-HN" smtClean="0"/>
-              <a:t>02/03/2010</a:t>
+              <a:pPr/>
+              <a:t>12/03/2010</a:t>
             </a:fld>
             <a:endParaRPr lang="es-HN"/>
           </a:p>
@@ -1783,6 +2236,7 @@
           <a:p>
             <a:fld id="{683302FF-1BA4-4AFA-88DF-EAB884E37B73}" type="slidenum">
               <a:rPr lang="es-HN" smtClean="0"/>
+              <a:pPr/>
               <a:t>‹Nº›</a:t>
             </a:fld>
             <a:endParaRPr lang="es-HN"/>
@@ -1854,7 +2308,8 @@
           <a:p>
             <a:fld id="{080182E8-4CCC-4C22-8B02-6F339A6057CF}" type="datetimeFigureOut">
               <a:rPr lang="es-HN" smtClean="0"/>
-              <a:t>02/03/2010</a:t>
+              <a:pPr/>
+              <a:t>12/03/2010</a:t>
             </a:fld>
             <a:endParaRPr lang="es-HN"/>
           </a:p>
@@ -1896,6 +2351,7 @@
           <a:p>
             <a:fld id="{683302FF-1BA4-4AFA-88DF-EAB884E37B73}" type="slidenum">
               <a:rPr lang="es-HN" smtClean="0"/>
+              <a:pPr/>
               <a:t>‹Nº›</a:t>
             </a:fld>
             <a:endParaRPr lang="es-HN"/>
@@ -1944,7 +2400,8 @@
           <a:p>
             <a:fld id="{080182E8-4CCC-4C22-8B02-6F339A6057CF}" type="datetimeFigureOut">
               <a:rPr lang="es-HN" smtClean="0"/>
-              <a:t>02/03/2010</a:t>
+              <a:pPr/>
+              <a:t>12/03/2010</a:t>
             </a:fld>
             <a:endParaRPr lang="es-HN"/>
           </a:p>
@@ -1986,6 +2443,7 @@
           <a:p>
             <a:fld id="{683302FF-1BA4-4AFA-88DF-EAB884E37B73}" type="slidenum">
               <a:rPr lang="es-HN" smtClean="0"/>
+              <a:pPr/>
               <a:t>‹Nº›</a:t>
             </a:fld>
             <a:endParaRPr lang="es-HN"/>
@@ -2216,7 +2674,8 @@
           <a:p>
             <a:fld id="{080182E8-4CCC-4C22-8B02-6F339A6057CF}" type="datetimeFigureOut">
               <a:rPr lang="es-HN" smtClean="0"/>
-              <a:t>02/03/2010</a:t>
+              <a:pPr/>
+              <a:t>12/03/2010</a:t>
             </a:fld>
             <a:endParaRPr lang="es-HN"/>
           </a:p>
@@ -2258,6 +2717,7 @@
           <a:p>
             <a:fld id="{683302FF-1BA4-4AFA-88DF-EAB884E37B73}" type="slidenum">
               <a:rPr lang="es-HN" smtClean="0"/>
+              <a:pPr/>
               <a:t>‹Nº›</a:t>
             </a:fld>
             <a:endParaRPr lang="es-HN"/>
@@ -2464,7 +2924,8 @@
           <a:p>
             <a:fld id="{080182E8-4CCC-4C22-8B02-6F339A6057CF}" type="datetimeFigureOut">
               <a:rPr lang="es-HN" smtClean="0"/>
-              <a:t>02/03/2010</a:t>
+              <a:pPr/>
+              <a:t>12/03/2010</a:t>
             </a:fld>
             <a:endParaRPr lang="es-HN"/>
           </a:p>
@@ -2506,6 +2967,7 @@
           <a:p>
             <a:fld id="{683302FF-1BA4-4AFA-88DF-EAB884E37B73}" type="slidenum">
               <a:rPr lang="es-HN" smtClean="0"/>
+              <a:pPr/>
               <a:t>‹Nº›</a:t>
             </a:fld>
             <a:endParaRPr lang="es-HN"/>
@@ -2672,7 +3134,8 @@
           <a:p>
             <a:fld id="{080182E8-4CCC-4C22-8B02-6F339A6057CF}" type="datetimeFigureOut">
               <a:rPr lang="es-HN" smtClean="0"/>
-              <a:t>02/03/2010</a:t>
+              <a:pPr/>
+              <a:t>12/03/2010</a:t>
             </a:fld>
             <a:endParaRPr lang="es-HN"/>
           </a:p>
@@ -2750,6 +3213,7 @@
           <a:p>
             <a:fld id="{683302FF-1BA4-4AFA-88DF-EAB884E37B73}" type="slidenum">
               <a:rPr lang="es-HN" smtClean="0"/>
+              <a:pPr/>
               <a:t>‹Nº›</a:t>
             </a:fld>
             <a:endParaRPr lang="es-HN"/>
@@ -3106,6 +3570,555 @@
 </p:sld>
 </file>
 
+<file path=ppt/slides/slide10.xml><?xml version="1.0" encoding="utf-8"?>
+<p:sld xmlns:a="http://schemas.openxmlformats.org/drawingml/2006/main" xmlns:r="http://schemas.openxmlformats.org/officeDocument/2006/relationships" xmlns:p="http://schemas.openxmlformats.org/presentationml/2006/main">
+  <p:cSld>
+    <p:spTree>
+      <p:nvGrpSpPr>
+        <p:cNvPr id="1" name=""/>
+        <p:cNvGrpSpPr/>
+        <p:nvPr/>
+      </p:nvGrpSpPr>
+      <p:grpSpPr>
+        <a:xfrm>
+          <a:off x="0" y="0"/>
+          <a:ext cx="0" cy="0"/>
+          <a:chOff x="0" y="0"/>
+          <a:chExt cx="0" cy="0"/>
+        </a:xfrm>
+      </p:grpSpPr>
+      <p:sp>
+        <p:nvSpPr>
+          <p:cNvPr id="2" name="1 Título"/>
+          <p:cNvSpPr>
+            <a:spLocks noGrp="1"/>
+          </p:cNvSpPr>
+          <p:nvPr>
+            <p:ph type="title"/>
+          </p:nvPr>
+        </p:nvSpPr>
+        <p:spPr/>
+        <p:txBody>
+          <a:bodyPr/>
+          <a:lstStyle/>
+          <a:p>
+            <a:r>
+              <a:rPr lang="es-HN" dirty="0" smtClean="0"/>
+              <a:t>La solución: cómo funcionaría</a:t>
+            </a:r>
+            <a:endParaRPr lang="es-HN" dirty="0"/>
+          </a:p>
+        </p:txBody>
+      </p:sp>
+      <p:pic>
+        <p:nvPicPr>
+          <p:cNvPr id="4" name="3 Marcador de contenido" descr="SD_filtering_approach.jpeg"/>
+          <p:cNvPicPr>
+            <a:picLocks noGrp="1" noChangeAspect="1"/>
+          </p:cNvPicPr>
+          <p:nvPr>
+            <p:ph idx="1"/>
+          </p:nvPr>
+        </p:nvPicPr>
+        <p:blipFill>
+          <a:blip r:embed="rId2"/>
+          <a:stretch>
+            <a:fillRect/>
+          </a:stretch>
+        </p:blipFill>
+        <p:spPr>
+          <a:xfrm>
+            <a:off x="457200" y="1936519"/>
+            <a:ext cx="8229600" cy="3853324"/>
+          </a:xfrm>
+        </p:spPr>
+      </p:pic>
+    </p:spTree>
+  </p:cSld>
+  <p:clrMapOvr>
+    <a:masterClrMapping/>
+  </p:clrMapOvr>
+  <p:timing>
+    <p:tnLst>
+      <p:par>
+        <p:cTn id="1" dur="indefinite" restart="never" nodeType="tmRoot"/>
+      </p:par>
+    </p:tnLst>
+  </p:timing>
+</p:sld>
+</file>
+
+<file path=ppt/slides/slide11.xml><?xml version="1.0" encoding="utf-8"?>
+<p:sld xmlns:a="http://schemas.openxmlformats.org/drawingml/2006/main" xmlns:r="http://schemas.openxmlformats.org/officeDocument/2006/relationships" xmlns:p="http://schemas.openxmlformats.org/presentationml/2006/main">
+  <p:cSld>
+    <p:spTree>
+      <p:nvGrpSpPr>
+        <p:cNvPr id="1" name=""/>
+        <p:cNvGrpSpPr/>
+        <p:nvPr/>
+      </p:nvGrpSpPr>
+      <p:grpSpPr>
+        <a:xfrm>
+          <a:off x="0" y="0"/>
+          <a:ext cx="0" cy="0"/>
+          <a:chOff x="0" y="0"/>
+          <a:chExt cx="0" cy="0"/>
+        </a:xfrm>
+      </p:grpSpPr>
+      <p:sp>
+        <p:nvSpPr>
+          <p:cNvPr id="2" name="1 Título"/>
+          <p:cNvSpPr>
+            <a:spLocks noGrp="1"/>
+          </p:cNvSpPr>
+          <p:nvPr>
+            <p:ph type="title"/>
+          </p:nvPr>
+        </p:nvSpPr>
+        <p:spPr/>
+        <p:txBody>
+          <a:bodyPr/>
+          <a:lstStyle/>
+          <a:p>
+            <a:r>
+              <a:rPr lang="es-HN" dirty="0" smtClean="0"/>
+              <a:t>La solución: retos</a:t>
+            </a:r>
+            <a:endParaRPr lang="es-HN" dirty="0"/>
+          </a:p>
+        </p:txBody>
+      </p:sp>
+      <p:sp>
+        <p:nvSpPr>
+          <p:cNvPr id="3" name="2 Marcador de contenido"/>
+          <p:cNvSpPr>
+            <a:spLocks noGrp="1"/>
+          </p:cNvSpPr>
+          <p:nvPr>
+            <p:ph idx="1"/>
+          </p:nvPr>
+        </p:nvSpPr>
+        <p:spPr/>
+        <p:txBody>
+          <a:bodyPr/>
+          <a:lstStyle/>
+          <a:p>
+            <a:r>
+              <a:rPr lang="es-HN" dirty="0" smtClean="0"/>
+              <a:t>Conseguir una colección documental. Una manera de resolverlo: un </a:t>
+            </a:r>
+            <a:r>
+              <a:rPr lang="es-HN" i="1" dirty="0" smtClean="0"/>
+              <a:t>web </a:t>
+            </a:r>
+            <a:r>
+              <a:rPr lang="es-HN" i="1" dirty="0" err="1" smtClean="0"/>
+              <a:t>crawler</a:t>
+            </a:r>
+            <a:r>
+              <a:rPr lang="es-HN" i="1" dirty="0" smtClean="0"/>
+              <a:t>. </a:t>
+            </a:r>
+            <a:r>
+              <a:rPr lang="es-HN" dirty="0" smtClean="0"/>
+              <a:t>En realidad, la gente contribuiría.</a:t>
+            </a:r>
+            <a:endParaRPr lang="es-HN" i="1" dirty="0" smtClean="0"/>
+          </a:p>
+          <a:p>
+            <a:r>
+              <a:rPr lang="es-HN" dirty="0" smtClean="0"/>
+              <a:t>Determinar el contexto inmediato. ¿Extracción de términos local o global?</a:t>
+            </a:r>
+          </a:p>
+          <a:p>
+            <a:r>
+              <a:rPr lang="es-HN" dirty="0" smtClean="0"/>
+              <a:t>Aprender el perfil del usuario. ¿Aprendizaje de máquina o una ontología simple?</a:t>
+            </a:r>
+            <a:endParaRPr lang="es-HN" dirty="0"/>
+          </a:p>
+        </p:txBody>
+      </p:sp>
+    </p:spTree>
+  </p:cSld>
+  <p:clrMapOvr>
+    <a:masterClrMapping/>
+  </p:clrMapOvr>
+  <p:timing>
+    <p:tnLst>
+      <p:par>
+        <p:cTn id="1" dur="indefinite" restart="never" nodeType="tmRoot"/>
+      </p:par>
+    </p:tnLst>
+  </p:timing>
+</p:sld>
+</file>
+
+<file path=ppt/slides/slide12.xml><?xml version="1.0" encoding="utf-8"?>
+<p:sld xmlns:a="http://schemas.openxmlformats.org/drawingml/2006/main" xmlns:r="http://schemas.openxmlformats.org/officeDocument/2006/relationships" xmlns:p="http://schemas.openxmlformats.org/presentationml/2006/main">
+  <p:cSld>
+    <p:spTree>
+      <p:nvGrpSpPr>
+        <p:cNvPr id="1" name=""/>
+        <p:cNvGrpSpPr/>
+        <p:nvPr/>
+      </p:nvGrpSpPr>
+      <p:grpSpPr>
+        <a:xfrm>
+          <a:off x="0" y="0"/>
+          <a:ext cx="0" cy="0"/>
+          <a:chOff x="0" y="0"/>
+          <a:chExt cx="0" cy="0"/>
+        </a:xfrm>
+      </p:grpSpPr>
+      <p:sp>
+        <p:nvSpPr>
+          <p:cNvPr id="4" name="3 Título"/>
+          <p:cNvSpPr>
+            <a:spLocks noGrp="1"/>
+          </p:cNvSpPr>
+          <p:nvPr>
+            <p:ph type="title"/>
+          </p:nvPr>
+        </p:nvSpPr>
+        <p:spPr/>
+        <p:txBody>
+          <a:bodyPr/>
+          <a:lstStyle/>
+          <a:p>
+            <a:r>
+              <a:rPr lang="es-HN" dirty="0" smtClean="0"/>
+              <a:t>¡Gracias por su atención!</a:t>
+            </a:r>
+            <a:endParaRPr lang="es-HN" dirty="0"/>
+          </a:p>
+        </p:txBody>
+      </p:sp>
+    </p:spTree>
+  </p:cSld>
+  <p:clrMapOvr>
+    <a:masterClrMapping/>
+  </p:clrMapOvr>
+</p:sld>
+</file>
+
+<file path=ppt/slides/slide13.xml><?xml version="1.0" encoding="utf-8"?>
+<p:sld xmlns:a="http://schemas.openxmlformats.org/drawingml/2006/main" xmlns:r="http://schemas.openxmlformats.org/officeDocument/2006/relationships" xmlns:p="http://schemas.openxmlformats.org/presentationml/2006/main">
+  <p:cSld>
+    <p:spTree>
+      <p:nvGrpSpPr>
+        <p:cNvPr id="1" name=""/>
+        <p:cNvGrpSpPr/>
+        <p:nvPr/>
+      </p:nvGrpSpPr>
+      <p:grpSpPr>
+        <a:xfrm>
+          <a:off x="0" y="0"/>
+          <a:ext cx="0" cy="0"/>
+          <a:chOff x="0" y="0"/>
+          <a:chExt cx="0" cy="0"/>
+        </a:xfrm>
+      </p:grpSpPr>
+    </p:spTree>
+  </p:cSld>
+  <p:clrMapOvr>
+    <a:masterClrMapping/>
+  </p:clrMapOvr>
+</p:sld>
+</file>
+
+<file path=ppt/slides/slide14.xml><?xml version="1.0" encoding="utf-8"?>
+<p:sld xmlns:a="http://schemas.openxmlformats.org/drawingml/2006/main" xmlns:r="http://schemas.openxmlformats.org/officeDocument/2006/relationships" xmlns:p="http://schemas.openxmlformats.org/presentationml/2006/main">
+  <p:cSld>
+    <p:spTree>
+      <p:nvGrpSpPr>
+        <p:cNvPr id="1" name=""/>
+        <p:cNvGrpSpPr/>
+        <p:nvPr/>
+      </p:nvGrpSpPr>
+      <p:grpSpPr>
+        <a:xfrm>
+          <a:off x="0" y="0"/>
+          <a:ext cx="0" cy="0"/>
+          <a:chOff x="0" y="0"/>
+          <a:chExt cx="0" cy="0"/>
+        </a:xfrm>
+      </p:grpSpPr>
+      <p:sp>
+        <p:nvSpPr>
+          <p:cNvPr id="2" name="1 Título"/>
+          <p:cNvSpPr>
+            <a:spLocks noGrp="1"/>
+          </p:cNvSpPr>
+          <p:nvPr>
+            <p:ph type="title"/>
+          </p:nvPr>
+        </p:nvSpPr>
+        <p:spPr/>
+        <p:txBody>
+          <a:bodyPr/>
+          <a:lstStyle/>
+          <a:p>
+            <a:r>
+              <a:rPr lang="es-HN" dirty="0" smtClean="0"/>
+              <a:t>Anexos</a:t>
+            </a:r>
+            <a:endParaRPr lang="es-HN" dirty="0"/>
+          </a:p>
+        </p:txBody>
+      </p:sp>
+      <p:sp>
+        <p:nvSpPr>
+          <p:cNvPr id="3" name="2 Marcador de texto"/>
+          <p:cNvSpPr>
+            <a:spLocks noGrp="1"/>
+          </p:cNvSpPr>
+          <p:nvPr>
+            <p:ph type="body" idx="1"/>
+          </p:nvPr>
+        </p:nvSpPr>
+        <p:spPr/>
+        <p:txBody>
+          <a:bodyPr/>
+          <a:lstStyle/>
+          <a:p>
+            <a:endParaRPr lang="es-HN"/>
+          </a:p>
+        </p:txBody>
+      </p:sp>
+    </p:spTree>
+  </p:cSld>
+  <p:clrMapOvr>
+    <a:masterClrMapping/>
+  </p:clrMapOvr>
+</p:sld>
+</file>
+
+<file path=ppt/slides/slide15.xml><?xml version="1.0" encoding="utf-8"?>
+<p:sld xmlns:a="http://schemas.openxmlformats.org/drawingml/2006/main" xmlns:r="http://schemas.openxmlformats.org/officeDocument/2006/relationships" xmlns:p="http://schemas.openxmlformats.org/presentationml/2006/main">
+  <p:cSld>
+    <p:spTree>
+      <p:nvGrpSpPr>
+        <p:cNvPr id="1" name=""/>
+        <p:cNvGrpSpPr/>
+        <p:nvPr/>
+      </p:nvGrpSpPr>
+      <p:grpSpPr>
+        <a:xfrm>
+          <a:off x="0" y="0"/>
+          <a:ext cx="0" cy="0"/>
+          <a:chOff x="0" y="0"/>
+          <a:chExt cx="0" cy="0"/>
+        </a:xfrm>
+      </p:grpSpPr>
+      <p:sp>
+        <p:nvSpPr>
+          <p:cNvPr id="4" name="3 Título"/>
+          <p:cNvSpPr>
+            <a:spLocks noGrp="1"/>
+          </p:cNvSpPr>
+          <p:nvPr>
+            <p:ph type="title"/>
+          </p:nvPr>
+        </p:nvSpPr>
+        <p:spPr/>
+        <p:txBody>
+          <a:bodyPr>
+            <a:normAutofit fontScale="90000"/>
+          </a:bodyPr>
+          <a:lstStyle/>
+          <a:p>
+            <a:r>
+              <a:rPr lang="es-HN" dirty="0" smtClean="0"/>
+              <a:t>Componentes de un sistema de recuperación de información</a:t>
+            </a:r>
+            <a:endParaRPr lang="es-HN" dirty="0"/>
+          </a:p>
+        </p:txBody>
+      </p:sp>
+      <p:pic>
+        <p:nvPicPr>
+          <p:cNvPr id="6" name="5 Marcador de contenido" descr="1_IR_Cycle.jpeg"/>
+          <p:cNvPicPr>
+            <a:picLocks noGrp="1" noChangeAspect="1"/>
+          </p:cNvPicPr>
+          <p:nvPr>
+            <p:ph idx="1"/>
+          </p:nvPr>
+        </p:nvPicPr>
+        <p:blipFill>
+          <a:blip r:embed="rId3"/>
+          <a:stretch>
+            <a:fillRect/>
+          </a:stretch>
+        </p:blipFill>
+        <p:spPr>
+          <a:xfrm>
+            <a:off x="1395304" y="1600200"/>
+            <a:ext cx="6353392" cy="4525963"/>
+          </a:xfrm>
+        </p:spPr>
+      </p:pic>
+    </p:spTree>
+  </p:cSld>
+  <p:clrMapOvr>
+    <a:masterClrMapping/>
+  </p:clrMapOvr>
+</p:sld>
+</file>
+
+<file path=ppt/slides/slide16.xml><?xml version="1.0" encoding="utf-8"?>
+<p:sld xmlns:a="http://schemas.openxmlformats.org/drawingml/2006/main" xmlns:r="http://schemas.openxmlformats.org/officeDocument/2006/relationships" xmlns:p="http://schemas.openxmlformats.org/presentationml/2006/main">
+  <p:cSld>
+    <p:spTree>
+      <p:nvGrpSpPr>
+        <p:cNvPr id="1" name=""/>
+        <p:cNvGrpSpPr/>
+        <p:nvPr/>
+      </p:nvGrpSpPr>
+      <p:grpSpPr>
+        <a:xfrm>
+          <a:off x="0" y="0"/>
+          <a:ext cx="0" cy="0"/>
+          <a:chOff x="0" y="0"/>
+          <a:chExt cx="0" cy="0"/>
+        </a:xfrm>
+      </p:grpSpPr>
+      <p:sp>
+        <p:nvSpPr>
+          <p:cNvPr id="4" name="3 Título"/>
+          <p:cNvSpPr>
+            <a:spLocks noGrp="1"/>
+          </p:cNvSpPr>
+          <p:nvPr>
+            <p:ph type="title"/>
+          </p:nvPr>
+        </p:nvSpPr>
+        <p:spPr/>
+        <p:txBody>
+          <a:bodyPr>
+            <a:normAutofit fontScale="90000"/>
+          </a:bodyPr>
+          <a:lstStyle/>
+          <a:p>
+            <a:r>
+              <a:rPr lang="es-HN" dirty="0" smtClean="0"/>
+              <a:t>Taxonomía de sistemas de recuperación de información</a:t>
+            </a:r>
+            <a:endParaRPr lang="es-HN" dirty="0"/>
+          </a:p>
+        </p:txBody>
+      </p:sp>
+      <p:pic>
+        <p:nvPicPr>
+          <p:cNvPr id="6" name="5 Marcador de contenido" descr="5_IR_taxonomy.jpeg"/>
+          <p:cNvPicPr>
+            <a:picLocks noGrp="1" noChangeAspect="1"/>
+          </p:cNvPicPr>
+          <p:nvPr>
+            <p:ph idx="1"/>
+          </p:nvPr>
+        </p:nvPicPr>
+        <p:blipFill>
+          <a:blip r:embed="rId2"/>
+          <a:stretch>
+            <a:fillRect/>
+          </a:stretch>
+        </p:blipFill>
+        <p:spPr>
+          <a:xfrm>
+            <a:off x="1071538" y="1928802"/>
+            <a:ext cx="6756559" cy="3077380"/>
+          </a:xfrm>
+        </p:spPr>
+      </p:pic>
+    </p:spTree>
+  </p:cSld>
+  <p:clrMapOvr>
+    <a:masterClrMapping/>
+  </p:clrMapOvr>
+</p:sld>
+</file>
+
+<file path=ppt/slides/slide17.xml><?xml version="1.0" encoding="utf-8"?>
+<p:sld xmlns:a="http://schemas.openxmlformats.org/drawingml/2006/main" xmlns:r="http://schemas.openxmlformats.org/officeDocument/2006/relationships" xmlns:p="http://schemas.openxmlformats.org/presentationml/2006/main">
+  <p:cSld>
+    <p:spTree>
+      <p:nvGrpSpPr>
+        <p:cNvPr id="1" name=""/>
+        <p:cNvGrpSpPr/>
+        <p:nvPr/>
+      </p:nvGrpSpPr>
+      <p:grpSpPr>
+        <a:xfrm>
+          <a:off x="0" y="0"/>
+          <a:ext cx="0" cy="0"/>
+          <a:chOff x="0" y="0"/>
+          <a:chExt cx="0" cy="0"/>
+        </a:xfrm>
+      </p:grpSpPr>
+      <p:sp>
+        <p:nvSpPr>
+          <p:cNvPr id="2" name="1 Título"/>
+          <p:cNvSpPr>
+            <a:spLocks noGrp="1"/>
+          </p:cNvSpPr>
+          <p:nvPr>
+            <p:ph type="title"/>
+          </p:nvPr>
+        </p:nvSpPr>
+        <p:spPr/>
+        <p:txBody>
+          <a:bodyPr/>
+          <a:lstStyle/>
+          <a:p>
+            <a:r>
+              <a:rPr lang="es-HN" dirty="0" smtClean="0"/>
+              <a:t>Prototipo de la interfaz</a:t>
+            </a:r>
+            <a:endParaRPr lang="es-HN" dirty="0"/>
+          </a:p>
+        </p:txBody>
+      </p:sp>
+      <p:pic>
+        <p:nvPicPr>
+          <p:cNvPr id="4" name="3 Marcador de contenido" descr="10_Home.png"/>
+          <p:cNvPicPr>
+            <a:picLocks noGrp="1" noChangeAspect="1"/>
+          </p:cNvPicPr>
+          <p:nvPr>
+            <p:ph idx="1"/>
+          </p:nvPr>
+        </p:nvPicPr>
+        <p:blipFill>
+          <a:blip r:embed="rId2"/>
+          <a:stretch>
+            <a:fillRect/>
+          </a:stretch>
+        </p:blipFill>
+        <p:spPr>
+          <a:xfrm>
+            <a:off x="800364" y="1600200"/>
+            <a:ext cx="7543272" cy="4525963"/>
+          </a:xfrm>
+        </p:spPr>
+      </p:pic>
+    </p:spTree>
+  </p:cSld>
+  <p:clrMapOvr>
+    <a:masterClrMapping/>
+  </p:clrMapOvr>
+  <p:timing>
+    <p:tnLst>
+      <p:par>
+        <p:cTn id="1" dur="indefinite" restart="never" nodeType="tmRoot"/>
+      </p:par>
+    </p:tnLst>
+  </p:timing>
+</p:sld>
+</file>
+
 <file path=ppt/slides/slide2.xml><?xml version="1.0" encoding="utf-8"?>
 <p:sld xmlns:a="http://schemas.openxmlformats.org/drawingml/2006/main" xmlns:r="http://schemas.openxmlformats.org/officeDocument/2006/relationships" xmlns:p="http://schemas.openxmlformats.org/presentationml/2006/main">
   <p:cSld>
@@ -3165,12 +4178,12 @@
               <a:buNone/>
             </a:pPr>
             <a:r>
-              <a:rPr lang="es-HN" smtClean="0"/>
-              <a:t>	Implementar </a:t>
-            </a:r>
-            <a:r>
-              <a:rPr lang="es-HN" dirty="0" smtClean="0"/>
-              <a:t>un sistema que ayude a la planificación de actividades académicas mediante la recomendación proactiva de documentos que puedan servir como recursos de apoyo</a:t>
+              <a:rPr lang="es-HN" dirty="0" smtClean="0"/>
+              <a:t>	Implementar un sistema que ayude a la planificación de actividades académicas mediante la recomendación proactiva de documentos que puedan servir como recursos de </a:t>
+            </a:r>
+            <a:r>
+              <a:rPr lang="es-HN" dirty="0" smtClean="0"/>
+              <a:t>apoyo.</a:t>
             </a:r>
             <a:endParaRPr lang="es-HN" dirty="0"/>
           </a:p>
@@ -3203,7 +4216,7 @@
       </p:grpSpPr>
       <p:sp>
         <p:nvSpPr>
-          <p:cNvPr id="4" name="3 Título"/>
+          <p:cNvPr id="2" name="1 Título"/>
           <p:cNvSpPr>
             <a:spLocks noGrp="1"/>
           </p:cNvSpPr>
@@ -3218,7 +4231,7 @@
           <a:p>
             <a:r>
               <a:rPr lang="es-HN" dirty="0" smtClean="0"/>
-              <a:t>Marco teórico</a:t>
+              <a:t>¿Cómo hacerlo?</a:t>
             </a:r>
             <a:endParaRPr lang="es-HN" dirty="0"/>
           </a:p>
@@ -3226,20 +4239,54 @@
       </p:sp>
       <p:sp>
         <p:nvSpPr>
-          <p:cNvPr id="5" name="4 Marcador de texto"/>
-          <p:cNvSpPr>
-            <a:spLocks noGrp="1"/>
-          </p:cNvSpPr>
-          <p:nvPr>
-            <p:ph type="body" idx="1"/>
-          </p:nvPr>
-        </p:nvSpPr>
-        <p:spPr/>
-        <p:txBody>
-          <a:bodyPr/>
-          <a:lstStyle/>
-          <a:p>
-            <a:endParaRPr lang="es-HN"/>
+          <p:cNvPr id="3" name="2 Marcador de contenido"/>
+          <p:cNvSpPr>
+            <a:spLocks noGrp="1"/>
+          </p:cNvSpPr>
+          <p:nvPr>
+            <p:ph idx="1"/>
+          </p:nvPr>
+        </p:nvSpPr>
+        <p:spPr/>
+        <p:txBody>
+          <a:bodyPr/>
+          <a:lstStyle/>
+          <a:p>
+            <a:r>
+              <a:rPr lang="es-HN" dirty="0" smtClean="0"/>
+              <a:t>¿De dónde sacar la información?</a:t>
+            </a:r>
+          </a:p>
+          <a:p>
+            <a:pPr lvl="1"/>
+            <a:r>
+              <a:rPr lang="es-HN" dirty="0" smtClean="0"/>
+              <a:t>¿Y cómo obtener esa información?</a:t>
+            </a:r>
+          </a:p>
+          <a:p>
+            <a:r>
+              <a:rPr lang="es-HN" dirty="0" smtClean="0"/>
+              <a:t>¿Cómo saber que está relacionado a la tarea del usuario?</a:t>
+            </a:r>
+          </a:p>
+          <a:p>
+            <a:pPr lvl="1"/>
+            <a:r>
+              <a:rPr lang="es-HN" dirty="0" smtClean="0"/>
+              <a:t>¿Cómo definimos la tarea del usuario?</a:t>
+            </a:r>
+          </a:p>
+          <a:p>
+            <a:pPr lvl="1"/>
+            <a:r>
+              <a:rPr lang="es-HN" dirty="0" smtClean="0"/>
+              <a:t>¿Nos sirve saber algo de antemano?</a:t>
+            </a:r>
+            <a:endParaRPr lang="es-HN" dirty="0" smtClean="0"/>
+          </a:p>
+          <a:p>
+            <a:endParaRPr lang="es-HN" dirty="0" smtClean="0"/>
           </a:p>
         </p:txBody>
       </p:sp>
@@ -3270,7 +4317,7 @@
       </p:grpSpPr>
       <p:sp>
         <p:nvSpPr>
-          <p:cNvPr id="4" name="3 Título"/>
+          <p:cNvPr id="2" name="1 Título"/>
           <p:cNvSpPr>
             <a:spLocks noGrp="1"/>
           </p:cNvSpPr>
@@ -3287,7 +4334,11 @@
           <a:p>
             <a:r>
               <a:rPr lang="es-HN" dirty="0" smtClean="0"/>
-              <a:t>Recuperación oportuna de la información</a:t>
+              <a:t>Marco teórico: Recuperación </a:t>
+            </a:r>
+            <a:r>
+              <a:rPr lang="es-HN" dirty="0" smtClean="0"/>
+              <a:t>de la información</a:t>
             </a:r>
             <a:endParaRPr lang="es-HN" dirty="0"/>
           </a:p>
@@ -3295,7 +4346,7 @@
       </p:sp>
       <p:sp>
         <p:nvSpPr>
-          <p:cNvPr id="5" name="4 Marcador de contenido"/>
+          <p:cNvPr id="3" name="2 Marcador de contenido"/>
           <p:cNvSpPr>
             <a:spLocks noGrp="1"/>
           </p:cNvSpPr>
@@ -3310,41 +4361,39 @@
           <a:p>
             <a:r>
               <a:rPr lang="es-HN" dirty="0" smtClean="0"/>
-              <a:t>Obtener información </a:t>
+              <a:t>Satisface una necesidad </a:t>
             </a:r>
             <a:r>
               <a:rPr lang="es-HN" i="1" dirty="0" smtClean="0"/>
-              <a:t>útil</a:t>
-            </a:r>
-            <a:r>
-              <a:rPr lang="es-HN" dirty="0" smtClean="0"/>
-              <a:t> en base al contexto local del usuario.</a:t>
-            </a:r>
-          </a:p>
-          <a:p>
-            <a:r>
-              <a:rPr lang="es-HN" dirty="0" smtClean="0"/>
-              <a:t>Trata de maximizar la ganancia y la </a:t>
-            </a:r>
-            <a:r>
-              <a:rPr lang="es-HN" i="1" dirty="0" err="1" smtClean="0"/>
-              <a:t>serendipia</a:t>
-            </a:r>
-            <a:r>
-              <a:rPr lang="es-HN" i="1" dirty="0" smtClean="0"/>
-              <a:t>: </a:t>
-            </a:r>
-            <a:r>
-              <a:rPr lang="es-HN" dirty="0" smtClean="0"/>
-              <a:t>los documentos más útiles son a veces los menos obvios</a:t>
-            </a:r>
-            <a:endParaRPr lang="es-HN" i="1" dirty="0" smtClean="0"/>
-          </a:p>
-          <a:p>
-            <a:r>
-              <a:rPr lang="es-HN" dirty="0" smtClean="0"/>
-              <a:t>Se enfoca en la utilidad, que trasciende a la relevancia.</a:t>
-            </a:r>
+              <a:t>explícita</a:t>
+            </a:r>
+            <a:r>
+              <a:rPr lang="es-HN" dirty="0" smtClean="0"/>
+              <a:t> de información expresada en una consulta.</a:t>
+            </a:r>
+          </a:p>
+          <a:p>
+            <a:r>
+              <a:rPr lang="es-HN" dirty="0" smtClean="0"/>
+              <a:t>Se centra en la relevancia.</a:t>
+            </a:r>
+          </a:p>
+          <a:p>
+            <a:r>
+              <a:rPr lang="es-HN" dirty="0" smtClean="0"/>
+              <a:t>Espera que el usuario revise los resultados y refine la consulta</a:t>
+            </a:r>
+            <a:r>
+              <a:rPr lang="es-HN" dirty="0" smtClean="0"/>
+              <a:t>.</a:t>
+            </a:r>
+          </a:p>
+          <a:p>
+            <a:r>
+              <a:rPr lang="es-HN" dirty="0" smtClean="0"/>
+              <a:t>¿Los enfoques orientados a conceptos, servirían?</a:t>
+            </a:r>
+            <a:endParaRPr lang="es-HN" dirty="0"/>
           </a:p>
         </p:txBody>
       </p:sp>
@@ -3385,12 +4434,26 @@
         </p:nvSpPr>
         <p:spPr/>
         <p:txBody>
-          <a:bodyPr/>
-          <a:lstStyle/>
-          <a:p>
-            <a:r>
-              <a:rPr lang="es-HN" dirty="0" smtClean="0"/>
-              <a:t>Recuperación de la información</a:t>
+          <a:bodyPr>
+            <a:normAutofit fontScale="90000"/>
+          </a:bodyPr>
+          <a:lstStyle/>
+          <a:p>
+            <a:r>
+              <a:rPr lang="es-HN" dirty="0" smtClean="0"/>
+              <a:t>Marco teórico: </a:t>
+            </a:r>
+            <a:r>
+              <a:rPr lang="es-HN" dirty="0" smtClean="0"/>
+              <a:t>Sistemas </a:t>
+            </a:r>
+            <a:r>
+              <a:rPr lang="es-HN" dirty="0" smtClean="0"/>
+              <a:t>de </a:t>
+            </a:r>
+            <a:r>
+              <a:rPr lang="es-HN" dirty="0" smtClean="0"/>
+              <a:t>recomendación en general</a:t>
             </a:r>
             <a:endParaRPr lang="es-HN" dirty="0"/>
           </a:p>
@@ -3413,28 +4476,55 @@
           <a:p>
             <a:r>
               <a:rPr lang="es-HN" dirty="0" smtClean="0"/>
-              <a:t>Satisface una necesidad </a:t>
+              <a:t>Se basan en </a:t>
+            </a:r>
+            <a:r>
+              <a:rPr lang="es-HN" dirty="0" smtClean="0"/>
+              <a:t>un artículo que ya conocen y que el usuario está manipulando.</a:t>
+            </a:r>
+          </a:p>
+          <a:p>
+            <a:r>
+              <a:rPr lang="es-HN" dirty="0" smtClean="0"/>
+              <a:t>Filtran los artículos existentes</a:t>
+            </a:r>
+            <a:endParaRPr lang="es-HN" dirty="0" smtClean="0"/>
+          </a:p>
+          <a:p>
+            <a:pPr lvl="1"/>
+            <a:r>
+              <a:rPr lang="es-HN" dirty="0" smtClean="0"/>
+              <a:t>Pueden partir del perfil del usuario y el contenido.</a:t>
+            </a:r>
+          </a:p>
+          <a:p>
+            <a:pPr lvl="1"/>
+            <a:r>
+              <a:rPr lang="es-HN" dirty="0" smtClean="0"/>
+              <a:t>O de la inteligencia colectiva</a:t>
+            </a:r>
+            <a:r>
+              <a:rPr lang="es-HN" dirty="0" smtClean="0"/>
+              <a:t>.</a:t>
+            </a:r>
+          </a:p>
+          <a:p>
+            <a:pPr lvl="1"/>
+            <a:r>
+              <a:rPr lang="es-HN" dirty="0" smtClean="0"/>
+              <a:t>En todo caso, necesitan una etapa de </a:t>
             </a:r>
             <a:r>
               <a:rPr lang="es-HN" i="1" dirty="0" smtClean="0"/>
-              <a:t>explícita</a:t>
-            </a:r>
-            <a:r>
-              <a:rPr lang="es-HN" dirty="0" smtClean="0"/>
-              <a:t> de información expresada en una consulta.</a:t>
-            </a:r>
-          </a:p>
-          <a:p>
-            <a:r>
-              <a:rPr lang="es-HN" dirty="0" smtClean="0"/>
-              <a:t>Se centra en la relevancia.</a:t>
-            </a:r>
-          </a:p>
-          <a:p>
-            <a:r>
-              <a:rPr lang="es-HN" dirty="0" smtClean="0"/>
-              <a:t>Espera que el usuario revise los resultados y refine la consulta.</a:t>
-            </a:r>
+              <a:t>aprendizaje</a:t>
+            </a:r>
+            <a:r>
+              <a:rPr lang="es-HN" dirty="0" smtClean="0"/>
+              <a:t> antes de ser efectivos.</a:t>
+            </a:r>
+            <a:endParaRPr lang="es-HN" dirty="0" smtClean="0"/>
+          </a:p>
+          <a:p>
             <a:endParaRPr lang="es-HN" dirty="0"/>
           </a:p>
         </p:txBody>
@@ -3481,7 +4571,7 @@
           <a:p>
             <a:r>
               <a:rPr lang="es-HN" dirty="0" smtClean="0"/>
-              <a:t>Sistemas de recomendación</a:t>
+              <a:t>Marco teórico: agentes inteligentes</a:t>
             </a:r>
             <a:endParaRPr lang="es-HN" dirty="0"/>
           </a:p>
@@ -3504,30 +4594,30 @@
           <a:p>
             <a:r>
               <a:rPr lang="es-HN" dirty="0" smtClean="0"/>
-              <a:t>Se basan en una necesidad </a:t>
+              <a:t>¿Cómo puede la máquina utilizar lo que ya sabe para filtrar información?</a:t>
+            </a:r>
+          </a:p>
+          <a:p>
+            <a:pPr lvl="1"/>
+            <a:r>
+              <a:rPr lang="es-HN" dirty="0" smtClean="0"/>
+              <a:t>Aprendizaje de máquina: crea hipótesis de cómo funciona el mundo en base a su experiencia.</a:t>
+            </a:r>
+          </a:p>
+          <a:p>
+            <a:pPr lvl="1"/>
+            <a:r>
+              <a:rPr lang="es-HN" dirty="0" smtClean="0"/>
+              <a:t>Redes neuronales, inferencia bayesiana, árboles de decisión… En todo caso se debe tratar de encontrar </a:t>
             </a:r>
             <a:r>
               <a:rPr lang="es-HN" i="1" dirty="0" smtClean="0"/>
-              <a:t>implícita</a:t>
-            </a:r>
-            <a:r>
-              <a:rPr lang="es-HN" dirty="0" smtClean="0"/>
-              <a:t> de información.</a:t>
-            </a:r>
-          </a:p>
-          <a:p>
-            <a:r>
-              <a:rPr lang="es-HN" dirty="0" smtClean="0"/>
-              <a:t>Pueden partir del perfil del usuario y el contenido.</a:t>
-            </a:r>
-          </a:p>
-          <a:p>
-            <a:r>
-              <a:rPr lang="es-HN" dirty="0" smtClean="0"/>
-              <a:t>O de la inteligencia colectiva.</a:t>
-            </a:r>
-          </a:p>
-          <a:p>
+              <a:t>qué</a:t>
+            </a:r>
+            <a:r>
+              <a:rPr lang="es-HN" dirty="0" smtClean="0"/>
+              <a:t> define a un curso.</a:t>
+            </a:r>
             <a:endParaRPr lang="es-HN" dirty="0"/>
           </a:p>
         </p:txBody>
@@ -3559,7 +4649,7 @@
       </p:grpSpPr>
       <p:sp>
         <p:nvSpPr>
-          <p:cNvPr id="2" name="1 Título"/>
+          <p:cNvPr id="4" name="3 Título"/>
           <p:cNvSpPr>
             <a:spLocks noGrp="1"/>
           </p:cNvSpPr>
@@ -3576,7 +4666,11 @@
           <a:p>
             <a:r>
               <a:rPr lang="es-HN" dirty="0" smtClean="0"/>
-              <a:t>Observaciones sobre la implementación</a:t>
+              <a:t>Marco teórico: Recuperación </a:t>
+            </a:r>
+            <a:r>
+              <a:rPr lang="es-HN" dirty="0" smtClean="0"/>
+              <a:t>oportuna de la información</a:t>
             </a:r>
             <a:endParaRPr lang="es-HN" dirty="0"/>
           </a:p>
@@ -3584,7 +4678,7 @@
       </p:sp>
       <p:sp>
         <p:nvSpPr>
-          <p:cNvPr id="3" name="2 Marcador de contenido"/>
+          <p:cNvPr id="5" name="4 Marcador de contenido"/>
           <p:cNvSpPr>
             <a:spLocks noGrp="1"/>
           </p:cNvSpPr>
@@ -3599,22 +4693,56 @@
           <a:p>
             <a:r>
               <a:rPr lang="es-HN" dirty="0" smtClean="0"/>
-              <a:t>La educación es social, no individual.</a:t>
-            </a:r>
-          </a:p>
-          <a:p>
-            <a:r>
-              <a:rPr lang="es-HN" dirty="0" smtClean="0"/>
-              <a:t>Los documentos más útiles son los que el usuario no ha buscado aún: se beneficiaría de una búsqueda orientada a </a:t>
+              <a:t>Obtener información </a:t>
             </a:r>
             <a:r>
               <a:rPr lang="es-HN" i="1" dirty="0" smtClean="0"/>
-              <a:t>conceptos</a:t>
-            </a:r>
-            <a:r>
-              <a:rPr lang="es-HN" dirty="0" smtClean="0"/>
-              <a:t> y no solo palabras clave.</a:t>
-            </a:r>
+              <a:t>útil</a:t>
+            </a:r>
+            <a:r>
+              <a:rPr lang="es-HN" dirty="0" smtClean="0"/>
+              <a:t> en base al contexto local del usuario</a:t>
+            </a:r>
+            <a:r>
+              <a:rPr lang="es-HN" dirty="0" smtClean="0"/>
+              <a:t>.</a:t>
+            </a:r>
+            <a:endParaRPr lang="es-HN" dirty="0" smtClean="0"/>
+          </a:p>
+          <a:p>
+            <a:r>
+              <a:rPr lang="es-HN" dirty="0" smtClean="0"/>
+              <a:t>Trata de maximizar la ganancia y la </a:t>
+            </a:r>
+            <a:r>
+              <a:rPr lang="es-HN" i="1" dirty="0" err="1" smtClean="0"/>
+              <a:t>serendipia</a:t>
+            </a:r>
+            <a:r>
+              <a:rPr lang="es-HN" i="1" dirty="0" smtClean="0"/>
+              <a:t>: </a:t>
+            </a:r>
+            <a:r>
+              <a:rPr lang="es-HN" dirty="0" smtClean="0"/>
+              <a:t>los documentos más útiles son a veces los menos obvios</a:t>
+            </a:r>
+            <a:endParaRPr lang="es-HN" i="1" dirty="0" smtClean="0"/>
+          </a:p>
+          <a:p>
+            <a:r>
+              <a:rPr lang="es-HN" dirty="0" smtClean="0"/>
+              <a:t>Se enfoca en la utilidad, que trasciende a la relevancia</a:t>
+            </a:r>
+            <a:r>
+              <a:rPr lang="es-HN" dirty="0" smtClean="0"/>
+              <a:t>.</a:t>
+            </a:r>
+          </a:p>
+          <a:p>
+            <a:pPr>
+              <a:buNone/>
+            </a:pPr>
+            <a:endParaRPr lang="es-HN" dirty="0" smtClean="0"/>
           </a:p>
         </p:txBody>
       </p:sp>
@@ -3655,12 +4783,14 @@
         </p:nvSpPr>
         <p:spPr/>
         <p:txBody>
-          <a:bodyPr/>
-          <a:lstStyle/>
-          <a:p>
-            <a:r>
-              <a:rPr lang="es-HN" dirty="0" smtClean="0"/>
-              <a:t>Arquitectura</a:t>
+          <a:bodyPr>
+            <a:normAutofit/>
+          </a:bodyPr>
+          <a:lstStyle/>
+          <a:p>
+            <a:r>
+              <a:rPr lang="es-HN" dirty="0" smtClean="0"/>
+              <a:t>El contexto académico</a:t>
             </a:r>
             <a:endParaRPr lang="es-HN" dirty="0"/>
           </a:p>
@@ -3683,13 +4813,122 @@
           <a:p>
             <a:r>
               <a:rPr lang="es-HN" dirty="0" smtClean="0"/>
-              <a:t>Un componente de recuperación de información que encuentre documentos afines a los tópicos del contexto.</a:t>
-            </a:r>
-          </a:p>
-          <a:p>
-            <a:r>
-              <a:rPr lang="es-HN" dirty="0" smtClean="0"/>
-              <a:t>Un componente de filtrado que tenga en cuenta el historial individual y la inteligencia colectiva.</a:t>
+              <a:t>La educación es social, no individual.</a:t>
+            </a:r>
+          </a:p>
+          <a:p>
+            <a:r>
+              <a:rPr lang="es-HN" dirty="0" smtClean="0"/>
+              <a:t>Los documentos más útiles son los que el usuario no ha buscado aún: se beneficiaría de una búsqueda orientada a </a:t>
+            </a:r>
+            <a:r>
+              <a:rPr lang="es-HN" i="1" dirty="0" smtClean="0"/>
+              <a:t>conceptos</a:t>
+            </a:r>
+            <a:r>
+              <a:rPr lang="es-HN" dirty="0" smtClean="0"/>
+              <a:t> y no solo palabras clave</a:t>
+            </a:r>
+            <a:r>
+              <a:rPr lang="es-HN" dirty="0" smtClean="0"/>
+              <a:t>.</a:t>
+            </a:r>
+          </a:p>
+          <a:p>
+            <a:r>
+              <a:rPr lang="es-HN" dirty="0" smtClean="0"/>
+              <a:t>Se puede saber algo del curso, con este conocimiento los resultados se pueden </a:t>
+            </a:r>
+            <a:r>
+              <a:rPr lang="es-HN" i="1" dirty="0" smtClean="0"/>
+              <a:t>filtrar</a:t>
+            </a:r>
+            <a:r>
+              <a:rPr lang="es-HN" dirty="0" smtClean="0"/>
+              <a:t>.</a:t>
+            </a:r>
+            <a:endParaRPr lang="es-HN" dirty="0" smtClean="0"/>
+          </a:p>
+        </p:txBody>
+      </p:sp>
+    </p:spTree>
+  </p:cSld>
+  <p:clrMapOvr>
+    <a:masterClrMapping/>
+  </p:clrMapOvr>
+</p:sld>
+</file>
+
+<file path=ppt/slides/slide9.xml><?xml version="1.0" encoding="utf-8"?>
+<p:sld xmlns:a="http://schemas.openxmlformats.org/drawingml/2006/main" xmlns:r="http://schemas.openxmlformats.org/officeDocument/2006/relationships" xmlns:p="http://schemas.openxmlformats.org/presentationml/2006/main">
+  <p:cSld>
+    <p:spTree>
+      <p:nvGrpSpPr>
+        <p:cNvPr id="1" name=""/>
+        <p:cNvGrpSpPr/>
+        <p:nvPr/>
+      </p:nvGrpSpPr>
+      <p:grpSpPr>
+        <a:xfrm>
+          <a:off x="0" y="0"/>
+          <a:ext cx="0" cy="0"/>
+          <a:chOff x="0" y="0"/>
+          <a:chExt cx="0" cy="0"/>
+        </a:xfrm>
+      </p:grpSpPr>
+      <p:sp>
+        <p:nvSpPr>
+          <p:cNvPr id="2" name="1 Título"/>
+          <p:cNvSpPr>
+            <a:spLocks noGrp="1"/>
+          </p:cNvSpPr>
+          <p:nvPr>
+            <p:ph type="title"/>
+          </p:nvPr>
+        </p:nvSpPr>
+        <p:spPr/>
+        <p:txBody>
+          <a:bodyPr/>
+          <a:lstStyle/>
+          <a:p>
+            <a:r>
+              <a:rPr lang="es-HN" dirty="0" smtClean="0"/>
+              <a:t>La solución: qué hacer</a:t>
+            </a:r>
+            <a:endParaRPr lang="es-HN" dirty="0"/>
+          </a:p>
+        </p:txBody>
+      </p:sp>
+      <p:sp>
+        <p:nvSpPr>
+          <p:cNvPr id="3" name="2 Marcador de contenido"/>
+          <p:cNvSpPr>
+            <a:spLocks noGrp="1"/>
+          </p:cNvSpPr>
+          <p:nvPr>
+            <p:ph idx="1"/>
+          </p:nvPr>
+        </p:nvSpPr>
+        <p:spPr/>
+        <p:txBody>
+          <a:bodyPr/>
+          <a:lstStyle/>
+          <a:p>
+            <a:r>
+              <a:rPr lang="es-HN" dirty="0" smtClean="0"/>
+              <a:t>Recopilar información del curso en el que se planifica.</a:t>
+            </a:r>
+          </a:p>
+          <a:p>
+            <a:r>
+              <a:rPr lang="es-HN" dirty="0" smtClean="0"/>
+              <a:t>Buscar documentos y considerar la relevancia/utilidad en base a la tarea actual y a lo que ya se sabe del curso.</a:t>
+            </a:r>
+          </a:p>
+          <a:p>
+            <a:r>
+              <a:rPr lang="es-HN" dirty="0" smtClean="0"/>
+              <a:t>Hacerlo de manera que no interrumpa la tarea principal.</a:t>
             </a:r>
             <a:endParaRPr lang="es-HN" dirty="0"/>
           </a:p>
@@ -3984,4 +5223,287 @@
   <a:objectDefaults/>
   <a:extraClrSchemeLst/>
 </a:theme>
+</file>
+
+<file path=ppt/theme/theme2.xml><?xml version="1.0" encoding="utf-8"?>
+<a:theme xmlns:a="http://schemas.openxmlformats.org/drawingml/2006/main" name="Tema de Office">
+  <a:themeElements>
+    <a:clrScheme name="Office">
+      <a:dk1>
+        <a:sysClr val="windowText" lastClr="000000"/>
+      </a:dk1>
+      <a:lt1>
+        <a:sysClr val="window" lastClr="FFFFFF"/>
+      </a:lt1>
+      <a:dk2>
+        <a:srgbClr val="1F497D"/>
+      </a:dk2>
+      <a:lt2>
+        <a:srgbClr val="EEECE1"/>
+      </a:lt2>
+      <a:accent1>
+        <a:srgbClr val="4F81BD"/>
+      </a:accent1>
+      <a:accent2>
+        <a:srgbClr val="C0504D"/>
+      </a:accent2>
+      <a:accent3>
+        <a:srgbClr val="9BBB59"/>
+      </a:accent3>
+      <a:accent4>
+        <a:srgbClr val="8064A2"/>
+      </a:accent4>
+      <a:accent5>
+        <a:srgbClr val="4BACC6"/>
+      </a:accent5>
+      <a:accent6>
+        <a:srgbClr val="F79646"/>
+      </a:accent6>
+      <a:hlink>
+        <a:srgbClr val="0000FF"/>
+      </a:hlink>
+      <a:folHlink>
+        <a:srgbClr val="800080"/>
+      </a:folHlink>
+    </a:clrScheme>
+    <a:fontScheme name="Office">
+      <a:majorFont>
+        <a:latin typeface="Calibri"/>
+        <a:ea typeface=""/>
+        <a:cs typeface=""/>
+        <a:font script="Jpan" typeface="ＭＳ Ｐゴシック"/>
+        <a:font script="Hang" typeface="맑은 고딕"/>
+        <a:font script="Hans" typeface="宋体"/>
+        <a:font script="Hant" typeface="新細明體"/>
+        <a:font script="Arab" typeface="Times New Roman"/>
+        <a:font script="Hebr" typeface="Times New Roman"/>
+        <a:font script="Thai" typeface="Angsana New"/>
+        <a:font script="Ethi" typeface="Nyala"/>
+        <a:font script="Beng" typeface="Vrinda"/>
+        <a:font script="Gujr" typeface="Shruti"/>
+        <a:font script="Khmr" typeface="MoolBoran"/>
+        <a:font script="Knda" typeface="Tunga"/>
+        <a:font script="Guru" typeface="Raavi"/>
+        <a:font script="Cans" typeface="Euphemia"/>
+        <a:font script="Cher" typeface="Plantagenet Cherokee"/>
+        <a:font script="Yiii" typeface="Microsoft Yi Baiti"/>
+        <a:font script="Tibt" typeface="Microsoft Himalaya"/>
+        <a:font script="Thaa" typeface="MV Boli"/>
+        <a:font script="Deva" typeface="Mangal"/>
+        <a:font script="Telu" typeface="Gautami"/>
+        <a:font script="Taml" typeface="Latha"/>
+        <a:font script="Syrc" typeface="Estrangelo Edessa"/>
+        <a:font script="Orya" typeface="Kalinga"/>
+        <a:font script="Mlym" typeface="Kartika"/>
+        <a:font script="Laoo" typeface="DokChampa"/>
+        <a:font script="Sinh" typeface="Iskoola Pota"/>
+        <a:font script="Mong" typeface="Mongolian Baiti"/>
+        <a:font script="Viet" typeface="Times New Roman"/>
+        <a:font script="Uigh" typeface="Microsoft Uighur"/>
+      </a:majorFont>
+      <a:minorFont>
+        <a:latin typeface="Calibri"/>
+        <a:ea typeface=""/>
+        <a:cs typeface=""/>
+        <a:font script="Jpan" typeface="ＭＳ Ｐゴシック"/>
+        <a:font script="Hang" typeface="맑은 고딕"/>
+        <a:font script="Hans" typeface="宋体"/>
+        <a:font script="Hant" typeface="新細明體"/>
+        <a:font script="Arab" typeface="Arial"/>
+        <a:font script="Hebr" typeface="Arial"/>
+        <a:font script="Thai" typeface="Cordia New"/>
+        <a:font script="Ethi" typeface="Nyala"/>
+        <a:font script="Beng" typeface="Vrinda"/>
+        <a:font script="Gujr" typeface="Shruti"/>
+        <a:font script="Khmr" typeface="DaunPenh"/>
+        <a:font script="Knda" typeface="Tunga"/>
+        <a:font script="Guru" typeface="Raavi"/>
+        <a:font script="Cans" typeface="Euphemia"/>
+        <a:font script="Cher" typeface="Plantagenet Cherokee"/>
+        <a:font script="Yiii" typeface="Microsoft Yi Baiti"/>
+        <a:font script="Tibt" typeface="Microsoft Himalaya"/>
+        <a:font script="Thaa" typeface="MV Boli"/>
+        <a:font script="Deva" typeface="Mangal"/>
+        <a:font script="Telu" typeface="Gautami"/>
+        <a:font script="Taml" typeface="Latha"/>
+        <a:font script="Syrc" typeface="Estrangelo Edessa"/>
+        <a:font script="Orya" typeface="Kalinga"/>
+        <a:font script="Mlym" typeface="Kartika"/>
+        <a:font script="Laoo" typeface="DokChampa"/>
+        <a:font script="Sinh" typeface="Iskoola Pota"/>
+        <a:font script="Mong" typeface="Mongolian Baiti"/>
+        <a:font script="Viet" typeface="Arial"/>
+        <a:font script="Uigh" typeface="Microsoft Uighur"/>
+      </a:minorFont>
+    </a:fontScheme>
+    <a:fmtScheme name="Office">
+      <a:fillStyleLst>
+        <a:solidFill>
+          <a:schemeClr val="phClr"/>
+        </a:solidFill>
+        <a:gradFill rotWithShape="1">
+          <a:gsLst>
+            <a:gs pos="0">
+              <a:schemeClr val="phClr">
+                <a:tint val="50000"/>
+                <a:satMod val="300000"/>
+              </a:schemeClr>
+            </a:gs>
+            <a:gs pos="35000">
+              <a:schemeClr val="phClr">
+                <a:tint val="37000"/>
+                <a:satMod val="300000"/>
+              </a:schemeClr>
+            </a:gs>
+            <a:gs pos="100000">
+              <a:schemeClr val="phClr">
+                <a:tint val="15000"/>
+                <a:satMod val="350000"/>
+              </a:schemeClr>
+            </a:gs>
+          </a:gsLst>
+          <a:lin ang="16200000" scaled="1"/>
+        </a:gradFill>
+        <a:gradFill rotWithShape="1">
+          <a:gsLst>
+            <a:gs pos="0">
+              <a:schemeClr val="phClr">
+                <a:shade val="51000"/>
+                <a:satMod val="130000"/>
+              </a:schemeClr>
+            </a:gs>
+            <a:gs pos="80000">
+              <a:schemeClr val="phClr">
+                <a:shade val="93000"/>
+                <a:satMod val="130000"/>
+              </a:schemeClr>
+            </a:gs>
+            <a:gs pos="100000">
+              <a:schemeClr val="phClr">
+                <a:shade val="94000"/>
+                <a:satMod val="135000"/>
+              </a:schemeClr>
+            </a:gs>
+          </a:gsLst>
+          <a:lin ang="16200000" scaled="0"/>
+        </a:gradFill>
+      </a:fillStyleLst>
+      <a:lnStyleLst>
+        <a:ln w="9525" cap="flat" cmpd="sng" algn="ctr">
+          <a:solidFill>
+            <a:schemeClr val="phClr">
+              <a:shade val="95000"/>
+              <a:satMod val="105000"/>
+            </a:schemeClr>
+          </a:solidFill>
+          <a:prstDash val="solid"/>
+        </a:ln>
+        <a:ln w="25400" cap="flat" cmpd="sng" algn="ctr">
+          <a:solidFill>
+            <a:schemeClr val="phClr"/>
+          </a:solidFill>
+          <a:prstDash val="solid"/>
+        </a:ln>
+        <a:ln w="38100" cap="flat" cmpd="sng" algn="ctr">
+          <a:solidFill>
+            <a:schemeClr val="phClr"/>
+          </a:solidFill>
+          <a:prstDash val="solid"/>
+        </a:ln>
+      </a:lnStyleLst>
+      <a:effectStyleLst>
+        <a:effectStyle>
+          <a:effectLst>
+            <a:outerShdw blurRad="40000" dist="20000" dir="5400000" rotWithShape="0">
+              <a:srgbClr val="000000">
+                <a:alpha val="38000"/>
+              </a:srgbClr>
+            </a:outerShdw>
+          </a:effectLst>
+        </a:effectStyle>
+        <a:effectStyle>
+          <a:effectLst>
+            <a:outerShdw blurRad="40000" dist="23000" dir="5400000" rotWithShape="0">
+              <a:srgbClr val="000000">
+                <a:alpha val="35000"/>
+              </a:srgbClr>
+            </a:outerShdw>
+          </a:effectLst>
+        </a:effectStyle>
+        <a:effectStyle>
+          <a:effectLst>
+            <a:outerShdw blurRad="40000" dist="23000" dir="5400000" rotWithShape="0">
+              <a:srgbClr val="000000">
+                <a:alpha val="35000"/>
+              </a:srgbClr>
+            </a:outerShdw>
+          </a:effectLst>
+          <a:scene3d>
+            <a:camera prst="orthographicFront">
+              <a:rot lat="0" lon="0" rev="0"/>
+            </a:camera>
+            <a:lightRig rig="threePt" dir="t">
+              <a:rot lat="0" lon="0" rev="1200000"/>
+            </a:lightRig>
+          </a:scene3d>
+          <a:sp3d>
+            <a:bevelT w="63500" h="25400"/>
+          </a:sp3d>
+        </a:effectStyle>
+      </a:effectStyleLst>
+      <a:bgFillStyleLst>
+        <a:solidFill>
+          <a:schemeClr val="phClr"/>
+        </a:solidFill>
+        <a:gradFill rotWithShape="1">
+          <a:gsLst>
+            <a:gs pos="0">
+              <a:schemeClr val="phClr">
+                <a:tint val="40000"/>
+                <a:satMod val="350000"/>
+              </a:schemeClr>
+            </a:gs>
+            <a:gs pos="40000">
+              <a:schemeClr val="phClr">
+                <a:tint val="45000"/>
+                <a:shade val="99000"/>
+                <a:satMod val="350000"/>
+              </a:schemeClr>
+            </a:gs>
+            <a:gs pos="100000">
+              <a:schemeClr val="phClr">
+                <a:shade val="20000"/>
+                <a:satMod val="255000"/>
+              </a:schemeClr>
+            </a:gs>
+          </a:gsLst>
+          <a:path path="circle">
+            <a:fillToRect l="50000" t="-80000" r="50000" b="180000"/>
+          </a:path>
+        </a:gradFill>
+        <a:gradFill rotWithShape="1">
+          <a:gsLst>
+            <a:gs pos="0">
+              <a:schemeClr val="phClr">
+                <a:tint val="80000"/>
+                <a:satMod val="300000"/>
+              </a:schemeClr>
+            </a:gs>
+            <a:gs pos="100000">
+              <a:schemeClr val="phClr">
+                <a:shade val="30000"/>
+                <a:satMod val="200000"/>
+              </a:schemeClr>
+            </a:gs>
+          </a:gsLst>
+          <a:path path="circle">
+            <a:fillToRect l="50000" t="50000" r="50000" b="50000"/>
+          </a:path>
+        </a:gradFill>
+      </a:bgFillStyleLst>
+    </a:fmtScheme>
+  </a:themeElements>
+  <a:objectDefaults/>
+  <a:extraClrSchemeLst/>
+</a:theme>
 </file>
--- a/Expo.pptx
+++ b/Expo.pptx
@@ -1,6 +1,6 @@
 
 <file path=ppt/presentation.xml><?xml version="1.0" encoding="utf-8"?>
-<p:presentation xmlns:a="http://schemas.openxmlformats.org/drawingml/2006/main" xmlns:r="http://schemas.openxmlformats.org/officeDocument/2006/relationships" xmlns:p="http://schemas.openxmlformats.org/presentationml/2006/main" saveSubsetFonts="1">
+<p:presentation xmlns:a="http://schemas.openxmlformats.org/drawingml/2006/main" xmlns:r="http://schemas.openxmlformats.org/officeDocument/2006/relationships" xmlns:p="http://schemas.openxmlformats.org/presentationml/2006/main" showSpecialPlsOnTitleSld="0" saveSubsetFonts="1">
   <p:sldMasterIdLst>
     <p:sldMasterId id="2147483792" r:id="rId1"/>
   </p:sldMasterIdLst>
@@ -733,9 +733,8 @@
           <a:bodyPr/>
           <a:lstStyle/>
           <a:p>
-            <a:fld id="{080182E8-4CCC-4C22-8B02-6F339A6057CF}" type="datetimeFigureOut">
+            <a:fld id="{952A1765-BE52-4F73-B16A-C4C713E36501}" type="datetime1">
               <a:rPr lang="es-HN" smtClean="0"/>
-              <a:pPr/>
               <a:t>12/03/2010</a:t>
             </a:fld>
             <a:endParaRPr lang="es-HN"/>
@@ -900,9 +899,8 @@
           <a:bodyPr/>
           <a:lstStyle/>
           <a:p>
-            <a:fld id="{080182E8-4CCC-4C22-8B02-6F339A6057CF}" type="datetimeFigureOut">
+            <a:fld id="{DF3EA402-5D1B-4E16-A404-B4E01CFABF0C}" type="datetime1">
               <a:rPr lang="es-HN" smtClean="0"/>
-              <a:pPr/>
               <a:t>12/03/2010</a:t>
             </a:fld>
             <a:endParaRPr lang="es-HN"/>
@@ -1077,9 +1075,8 @@
           <a:bodyPr/>
           <a:lstStyle/>
           <a:p>
-            <a:fld id="{080182E8-4CCC-4C22-8B02-6F339A6057CF}" type="datetimeFigureOut">
+            <a:fld id="{CB5830A5-09F9-477C-93E1-BE549956FC5E}" type="datetime1">
               <a:rPr lang="es-HN" smtClean="0"/>
-              <a:pPr/>
               <a:t>12/03/2010</a:t>
             </a:fld>
             <a:endParaRPr lang="es-HN"/>
@@ -1244,9 +1241,8 @@
           <a:bodyPr/>
           <a:lstStyle/>
           <a:p>
-            <a:fld id="{080182E8-4CCC-4C22-8B02-6F339A6057CF}" type="datetimeFigureOut">
+            <a:fld id="{C1E4FC81-878A-446C-8C69-6029120D8514}" type="datetime1">
               <a:rPr lang="es-HN" smtClean="0"/>
-              <a:pPr/>
               <a:t>12/03/2010</a:t>
             </a:fld>
             <a:endParaRPr lang="es-HN"/>
@@ -1487,9 +1483,8 @@
           <a:bodyPr/>
           <a:lstStyle/>
           <a:p>
-            <a:fld id="{080182E8-4CCC-4C22-8B02-6F339A6057CF}" type="datetimeFigureOut">
+            <a:fld id="{DC98CF40-E079-411D-AAE6-2C346CF9FE8A}" type="datetime1">
               <a:rPr lang="es-HN" smtClean="0"/>
-              <a:pPr/>
               <a:t>12/03/2010</a:t>
             </a:fld>
             <a:endParaRPr lang="es-HN"/>
@@ -1772,9 +1767,8 @@
           <a:bodyPr/>
           <a:lstStyle/>
           <a:p>
-            <a:fld id="{080182E8-4CCC-4C22-8B02-6F339A6057CF}" type="datetimeFigureOut">
+            <a:fld id="{706C737A-437A-46E3-8C95-6CC42A571FCB}" type="datetime1">
               <a:rPr lang="es-HN" smtClean="0"/>
-              <a:pPr/>
               <a:t>12/03/2010</a:t>
             </a:fld>
             <a:endParaRPr lang="es-HN"/>
@@ -2191,9 +2185,8 @@
           <a:bodyPr/>
           <a:lstStyle/>
           <a:p>
-            <a:fld id="{080182E8-4CCC-4C22-8B02-6F339A6057CF}" type="datetimeFigureOut">
+            <a:fld id="{DCCE639C-F4A7-4EA5-9F9F-6EF3A6C0866B}" type="datetime1">
               <a:rPr lang="es-HN" smtClean="0"/>
-              <a:pPr/>
               <a:t>12/03/2010</a:t>
             </a:fld>
             <a:endParaRPr lang="es-HN"/>
@@ -2306,9 +2299,8 @@
           <a:bodyPr/>
           <a:lstStyle/>
           <a:p>
-            <a:fld id="{080182E8-4CCC-4C22-8B02-6F339A6057CF}" type="datetimeFigureOut">
+            <a:fld id="{7CCF8AD2-6C48-4130-9482-31A3D169312F}" type="datetime1">
               <a:rPr lang="es-HN" smtClean="0"/>
-              <a:pPr/>
               <a:t>12/03/2010</a:t>
             </a:fld>
             <a:endParaRPr lang="es-HN"/>
@@ -2398,9 +2390,8 @@
           <a:bodyPr/>
           <a:lstStyle/>
           <a:p>
-            <a:fld id="{080182E8-4CCC-4C22-8B02-6F339A6057CF}" type="datetimeFigureOut">
+            <a:fld id="{E1F0E908-C2B6-4FF2-BB18-B498C02A1789}" type="datetime1">
               <a:rPr lang="es-HN" smtClean="0"/>
-              <a:pPr/>
               <a:t>12/03/2010</a:t>
             </a:fld>
             <a:endParaRPr lang="es-HN"/>
@@ -2672,9 +2663,8 @@
           <a:bodyPr/>
           <a:lstStyle/>
           <a:p>
-            <a:fld id="{080182E8-4CCC-4C22-8B02-6F339A6057CF}" type="datetimeFigureOut">
+            <a:fld id="{346E762D-616A-40F3-AFC1-51AFA2CC1FB3}" type="datetime1">
               <a:rPr lang="es-HN" smtClean="0"/>
-              <a:pPr/>
               <a:t>12/03/2010</a:t>
             </a:fld>
             <a:endParaRPr lang="es-HN"/>
@@ -2922,9 +2912,8 @@
           <a:bodyPr/>
           <a:lstStyle/>
           <a:p>
-            <a:fld id="{080182E8-4CCC-4C22-8B02-6F339A6057CF}" type="datetimeFigureOut">
+            <a:fld id="{67CD04BE-2724-48B9-9560-153470603696}" type="datetime1">
               <a:rPr lang="es-HN" smtClean="0"/>
-              <a:pPr/>
               <a:t>12/03/2010</a:t>
             </a:fld>
             <a:endParaRPr lang="es-HN"/>
@@ -3132,9 +3121,8 @@
             </a:lvl1pPr>
           </a:lstStyle>
           <a:p>
-            <a:fld id="{080182E8-4CCC-4C22-8B02-6F339A6057CF}" type="datetimeFigureOut">
+            <a:fld id="{415F441D-BFFD-4D51-8241-F95D3C03437D}" type="datetime1">
               <a:rPr lang="es-HN" smtClean="0"/>
-              <a:pPr/>
               <a:t>12/03/2010</a:t>
             </a:fld>
             <a:endParaRPr lang="es-HN"/>
@@ -3236,6 +3224,7 @@
     <p:sldLayoutId id="2147483802" r:id="rId10"/>
     <p:sldLayoutId id="2147483803" r:id="rId11"/>
   </p:sldLayoutIdLst>
+  <p:hf hdr="0" ftr="0" dt="0"/>
   <p:txStyles>
     <p:titleStyle>
       <a:lvl1pPr algn="ctr" defTabSz="914400" rtl="0" eaLnBrk="1" latinLnBrk="0" hangingPunct="1">
@@ -3633,6 +3622,30 @@
           </a:xfrm>
         </p:spPr>
       </p:pic>
+      <p:sp>
+        <p:nvSpPr>
+          <p:cNvPr id="5" name="4 Marcador de número de diapositiva"/>
+          <p:cNvSpPr>
+            <a:spLocks noGrp="1"/>
+          </p:cNvSpPr>
+          <p:nvPr>
+            <p:ph type="sldNum" sz="quarter" idx="12"/>
+          </p:nvPr>
+        </p:nvSpPr>
+        <p:spPr/>
+        <p:txBody>
+          <a:bodyPr/>
+          <a:lstStyle/>
+          <a:p>
+            <a:fld id="{683302FF-1BA4-4AFA-88DF-EAB884E37B73}" type="slidenum">
+              <a:rPr lang="es-HN" smtClean="0"/>
+              <a:pPr/>
+              <a:t>10</a:t>
+            </a:fld>
+            <a:endParaRPr lang="es-HN"/>
+          </a:p>
+        </p:txBody>
+      </p:sp>
     </p:spTree>
   </p:cSld>
   <p:clrMapOvr>
@@ -3704,8 +3717,12 @@
           <a:lstStyle/>
           <a:p>
             <a:r>
-              <a:rPr lang="es-HN" dirty="0" smtClean="0"/>
-              <a:t>Conseguir una colección documental. Una manera de resolverlo: un </a:t>
+              <a:rPr lang="es-HN" b="1" dirty="0" smtClean="0"/>
+              <a:t>Conseguir una colección</a:t>
+            </a:r>
+            <a:r>
+              <a:rPr lang="es-HN" dirty="0" smtClean="0"/>
+              <a:t> documental. Una manera de resolverlo: un </a:t>
             </a:r>
             <a:r>
               <a:rPr lang="es-HN" i="1" dirty="0" smtClean="0"/>
@@ -3728,15 +3745,51 @@
           <a:p>
             <a:r>
               <a:rPr lang="es-HN" dirty="0" smtClean="0"/>
-              <a:t>Determinar el contexto inmediato. ¿Extracción de términos local o global?</a:t>
-            </a:r>
-          </a:p>
-          <a:p>
-            <a:r>
-              <a:rPr lang="es-HN" dirty="0" smtClean="0"/>
-              <a:t>Aprender el perfil del usuario. ¿Aprendizaje de máquina o una ontología simple?</a:t>
+              <a:t>Determinar el </a:t>
+            </a:r>
+            <a:r>
+              <a:rPr lang="es-HN" b="1" dirty="0" smtClean="0"/>
+              <a:t>contexto inmediato</a:t>
+            </a:r>
+            <a:r>
+              <a:rPr lang="es-HN" dirty="0" smtClean="0"/>
+              <a:t>. ¿Extracción de términos local o global?</a:t>
+            </a:r>
+          </a:p>
+          <a:p>
+            <a:r>
+              <a:rPr lang="es-HN" b="1" dirty="0" smtClean="0"/>
+              <a:t>Aprender el perfil</a:t>
+            </a:r>
+            <a:r>
+              <a:rPr lang="es-HN" dirty="0" smtClean="0"/>
+              <a:t> del usuario. ¿Aprendizaje de máquina o una ontología simple?</a:t>
             </a:r>
             <a:endParaRPr lang="es-HN" dirty="0"/>
+          </a:p>
+        </p:txBody>
+      </p:sp>
+      <p:sp>
+        <p:nvSpPr>
+          <p:cNvPr id="4" name="3 Marcador de número de diapositiva"/>
+          <p:cNvSpPr>
+            <a:spLocks noGrp="1"/>
+          </p:cNvSpPr>
+          <p:nvPr>
+            <p:ph type="sldNum" sz="quarter" idx="12"/>
+          </p:nvPr>
+        </p:nvSpPr>
+        <p:spPr/>
+        <p:txBody>
+          <a:bodyPr/>
+          <a:lstStyle/>
+          <a:p>
+            <a:fld id="{683302FF-1BA4-4AFA-88DF-EAB884E37B73}" type="slidenum">
+              <a:rPr lang="es-HN" smtClean="0"/>
+              <a:pPr/>
+              <a:t>11</a:t>
+            </a:fld>
+            <a:endParaRPr lang="es-HN"/>
           </a:p>
         </p:txBody>
       </p:sp>
@@ -3795,6 +3848,30 @@
           </a:p>
         </p:txBody>
       </p:sp>
+      <p:sp>
+        <p:nvSpPr>
+          <p:cNvPr id="6" name="5 Marcador de número de diapositiva"/>
+          <p:cNvSpPr>
+            <a:spLocks noGrp="1"/>
+          </p:cNvSpPr>
+          <p:nvPr>
+            <p:ph type="sldNum" sz="quarter" idx="12"/>
+          </p:nvPr>
+        </p:nvSpPr>
+        <p:spPr/>
+        <p:txBody>
+          <a:bodyPr/>
+          <a:lstStyle/>
+          <a:p>
+            <a:fld id="{683302FF-1BA4-4AFA-88DF-EAB884E37B73}" type="slidenum">
+              <a:rPr lang="es-HN" smtClean="0"/>
+              <a:pPr/>
+              <a:t>12</a:t>
+            </a:fld>
+            <a:endParaRPr lang="es-HN"/>
+          </a:p>
+        </p:txBody>
+      </p:sp>
     </p:spTree>
   </p:cSld>
   <p:clrMapOvr>
@@ -3820,6 +3897,30 @@
           <a:chExt cx="0" cy="0"/>
         </a:xfrm>
       </p:grpSpPr>
+      <p:sp>
+        <p:nvSpPr>
+          <p:cNvPr id="4" name="3 Marcador de número de diapositiva"/>
+          <p:cNvSpPr>
+            <a:spLocks noGrp="1"/>
+          </p:cNvSpPr>
+          <p:nvPr>
+            <p:ph type="sldNum" sz="quarter" idx="12"/>
+          </p:nvPr>
+        </p:nvSpPr>
+        <p:spPr/>
+        <p:txBody>
+          <a:bodyPr/>
+          <a:lstStyle/>
+          <a:p>
+            <a:fld id="{683302FF-1BA4-4AFA-88DF-EAB884E37B73}" type="slidenum">
+              <a:rPr lang="es-HN" smtClean="0"/>
+              <a:pPr/>
+              <a:t>13</a:t>
+            </a:fld>
+            <a:endParaRPr lang="es-HN"/>
+          </a:p>
+        </p:txBody>
+      </p:sp>
     </p:spTree>
   </p:cSld>
   <p:clrMapOvr>
@@ -3887,6 +3988,30 @@
           </a:p>
         </p:txBody>
       </p:sp>
+      <p:sp>
+        <p:nvSpPr>
+          <p:cNvPr id="4" name="3 Marcador de número de diapositiva"/>
+          <p:cNvSpPr>
+            <a:spLocks noGrp="1"/>
+          </p:cNvSpPr>
+          <p:nvPr>
+            <p:ph type="sldNum" sz="quarter" idx="12"/>
+          </p:nvPr>
+        </p:nvSpPr>
+        <p:spPr/>
+        <p:txBody>
+          <a:bodyPr/>
+          <a:lstStyle/>
+          <a:p>
+            <a:fld id="{683302FF-1BA4-4AFA-88DF-EAB884E37B73}" type="slidenum">
+              <a:rPr lang="es-HN" smtClean="0"/>
+              <a:pPr/>
+              <a:t>14</a:t>
+            </a:fld>
+            <a:endParaRPr lang="es-HN"/>
+          </a:p>
+        </p:txBody>
+      </p:sp>
     </p:spTree>
   </p:cSld>
   <p:clrMapOvr>
@@ -3960,6 +4085,30 @@
           </a:xfrm>
         </p:spPr>
       </p:pic>
+      <p:sp>
+        <p:nvSpPr>
+          <p:cNvPr id="7" name="6 Marcador de número de diapositiva"/>
+          <p:cNvSpPr>
+            <a:spLocks noGrp="1"/>
+          </p:cNvSpPr>
+          <p:nvPr>
+            <p:ph type="sldNum" sz="quarter" idx="12"/>
+          </p:nvPr>
+        </p:nvSpPr>
+        <p:spPr/>
+        <p:txBody>
+          <a:bodyPr/>
+          <a:lstStyle/>
+          <a:p>
+            <a:fld id="{683302FF-1BA4-4AFA-88DF-EAB884E37B73}" type="slidenum">
+              <a:rPr lang="es-HN" smtClean="0"/>
+              <a:pPr/>
+              <a:t>15</a:t>
+            </a:fld>
+            <a:endParaRPr lang="es-HN"/>
+          </a:p>
+        </p:txBody>
+      </p:sp>
     </p:spTree>
   </p:cSld>
   <p:clrMapOvr>
@@ -4033,6 +4182,30 @@
           </a:xfrm>
         </p:spPr>
       </p:pic>
+      <p:sp>
+        <p:nvSpPr>
+          <p:cNvPr id="7" name="6 Marcador de número de diapositiva"/>
+          <p:cNvSpPr>
+            <a:spLocks noGrp="1"/>
+          </p:cNvSpPr>
+          <p:nvPr>
+            <p:ph type="sldNum" sz="quarter" idx="12"/>
+          </p:nvPr>
+        </p:nvSpPr>
+        <p:spPr/>
+        <p:txBody>
+          <a:bodyPr/>
+          <a:lstStyle/>
+          <a:p>
+            <a:fld id="{683302FF-1BA4-4AFA-88DF-EAB884E37B73}" type="slidenum">
+              <a:rPr lang="es-HN" smtClean="0"/>
+              <a:pPr/>
+              <a:t>16</a:t>
+            </a:fld>
+            <a:endParaRPr lang="es-HN"/>
+          </a:p>
+        </p:txBody>
+      </p:sp>
     </p:spTree>
   </p:cSld>
   <p:clrMapOvr>
@@ -4104,6 +4277,30 @@
           </a:xfrm>
         </p:spPr>
       </p:pic>
+      <p:sp>
+        <p:nvSpPr>
+          <p:cNvPr id="5" name="4 Marcador de número de diapositiva"/>
+          <p:cNvSpPr>
+            <a:spLocks noGrp="1"/>
+          </p:cNvSpPr>
+          <p:nvPr>
+            <p:ph type="sldNum" sz="quarter" idx="12"/>
+          </p:nvPr>
+        </p:nvSpPr>
+        <p:spPr/>
+        <p:txBody>
+          <a:bodyPr/>
+          <a:lstStyle/>
+          <a:p>
+            <a:fld id="{683302FF-1BA4-4AFA-88DF-EAB884E37B73}" type="slidenum">
+              <a:rPr lang="es-HN" smtClean="0"/>
+              <a:pPr/>
+              <a:t>17</a:t>
+            </a:fld>
+            <a:endParaRPr lang="es-HN"/>
+          </a:p>
+        </p:txBody>
+      </p:sp>
     </p:spTree>
   </p:cSld>
   <p:clrMapOvr>
@@ -4189,6 +4386,30 @@
           </a:p>
         </p:txBody>
       </p:sp>
+      <p:sp>
+        <p:nvSpPr>
+          <p:cNvPr id="4" name="3 Marcador de número de diapositiva"/>
+          <p:cNvSpPr>
+            <a:spLocks noGrp="1"/>
+          </p:cNvSpPr>
+          <p:nvPr>
+            <p:ph type="sldNum" sz="quarter" idx="12"/>
+          </p:nvPr>
+        </p:nvSpPr>
+        <p:spPr/>
+        <p:txBody>
+          <a:bodyPr/>
+          <a:lstStyle/>
+          <a:p>
+            <a:fld id="{683302FF-1BA4-4AFA-88DF-EAB884E37B73}" type="slidenum">
+              <a:rPr lang="es-HN" smtClean="0"/>
+              <a:pPr/>
+              <a:t>2</a:t>
+            </a:fld>
+            <a:endParaRPr lang="es-HN"/>
+          </a:p>
+        </p:txBody>
+      </p:sp>
     </p:spTree>
   </p:cSld>
   <p:clrMapOvr>
@@ -4290,6 +4511,30 @@
           </a:p>
         </p:txBody>
       </p:sp>
+      <p:sp>
+        <p:nvSpPr>
+          <p:cNvPr id="4" name="3 Marcador de número de diapositiva"/>
+          <p:cNvSpPr>
+            <a:spLocks noGrp="1"/>
+          </p:cNvSpPr>
+          <p:nvPr>
+            <p:ph type="sldNum" sz="quarter" idx="12"/>
+          </p:nvPr>
+        </p:nvSpPr>
+        <p:spPr/>
+        <p:txBody>
+          <a:bodyPr/>
+          <a:lstStyle/>
+          <a:p>
+            <a:fld id="{683302FF-1BA4-4AFA-88DF-EAB884E37B73}" type="slidenum">
+              <a:rPr lang="es-HN" smtClean="0"/>
+              <a:pPr/>
+              <a:t>3</a:t>
+            </a:fld>
+            <a:endParaRPr lang="es-HN"/>
+          </a:p>
+        </p:txBody>
+      </p:sp>
     </p:spTree>
   </p:cSld>
   <p:clrMapOvr>
@@ -4364,7 +4609,7 @@
               <a:t>Satisface una necesidad </a:t>
             </a:r>
             <a:r>
-              <a:rPr lang="es-HN" i="1" dirty="0" smtClean="0"/>
+              <a:rPr lang="es-HN" b="1" dirty="0" smtClean="0"/>
               <a:t>explícita</a:t>
             </a:r>
             <a:r>
@@ -4375,7 +4620,15 @@
           <a:p>
             <a:r>
               <a:rPr lang="es-HN" dirty="0" smtClean="0"/>
-              <a:t>Se centra en la relevancia.</a:t>
+              <a:t>Se centra en la </a:t>
+            </a:r>
+            <a:r>
+              <a:rPr lang="es-HN" b="1" dirty="0" smtClean="0"/>
+              <a:t>relevancia</a:t>
+            </a:r>
+            <a:r>
+              <a:rPr lang="es-HN" dirty="0" smtClean="0"/>
+              <a:t>.</a:t>
             </a:r>
           </a:p>
           <a:p>
@@ -4394,6 +4647,30 @@
               <a:t>¿Los enfoques orientados a conceptos, servirían?</a:t>
             </a:r>
             <a:endParaRPr lang="es-HN" dirty="0"/>
+          </a:p>
+        </p:txBody>
+      </p:sp>
+      <p:sp>
+        <p:nvSpPr>
+          <p:cNvPr id="4" name="3 Marcador de número de diapositiva"/>
+          <p:cNvSpPr>
+            <a:spLocks noGrp="1"/>
+          </p:cNvSpPr>
+          <p:nvPr>
+            <p:ph type="sldNum" sz="quarter" idx="12"/>
+          </p:nvPr>
+        </p:nvSpPr>
+        <p:spPr/>
+        <p:txBody>
+          <a:bodyPr/>
+          <a:lstStyle/>
+          <a:p>
+            <a:fld id="{683302FF-1BA4-4AFA-88DF-EAB884E37B73}" type="slidenum">
+              <a:rPr lang="es-HN" smtClean="0"/>
+              <a:pPr/>
+              <a:t>4</a:t>
+            </a:fld>
+            <a:endParaRPr lang="es-HN"/>
           </a:p>
         </p:txBody>
       </p:sp>
@@ -4480,13 +4757,25 @@
             </a:r>
             <a:r>
               <a:rPr lang="es-HN" dirty="0" smtClean="0"/>
-              <a:t>un artículo que ya conocen y que el usuario está manipulando.</a:t>
-            </a:r>
-          </a:p>
-          <a:p>
-            <a:r>
-              <a:rPr lang="es-HN" dirty="0" smtClean="0"/>
-              <a:t>Filtran los artículos existentes</a:t>
+              <a:t>un artículo que </a:t>
+            </a:r>
+            <a:r>
+              <a:rPr lang="es-HN" b="1" dirty="0" smtClean="0"/>
+              <a:t>ya conocen</a:t>
+            </a:r>
+            <a:r>
+              <a:rPr lang="es-HN" dirty="0" smtClean="0"/>
+              <a:t> y que el usuario está manipulando.</a:t>
+            </a:r>
+          </a:p>
+          <a:p>
+            <a:r>
+              <a:rPr lang="es-HN" b="1" dirty="0" smtClean="0"/>
+              <a:t>Filtran</a:t>
+            </a:r>
+            <a:r>
+              <a:rPr lang="es-HN" dirty="0" smtClean="0"/>
+              <a:t> los artículos existentes</a:t>
             </a:r>
             <a:endParaRPr lang="es-HN" dirty="0" smtClean="0"/>
           </a:p>
@@ -4494,19 +4783,36 @@
             <a:pPr lvl="1"/>
             <a:r>
               <a:rPr lang="es-HN" dirty="0" smtClean="0"/>
-              <a:t>Pueden partir del perfil del usuario y el contenido.</a:t>
+              <a:t>Pueden partir del perfil del usuario y el </a:t>
+            </a:r>
+            <a:r>
+              <a:rPr lang="es-HN" b="1" dirty="0" smtClean="0"/>
+              <a:t>contenido</a:t>
+            </a:r>
+            <a:r>
+              <a:rPr lang="es-HN" dirty="0" smtClean="0"/>
+              <a:t>.</a:t>
             </a:r>
           </a:p>
           <a:p>
             <a:pPr lvl="1"/>
             <a:r>
               <a:rPr lang="es-HN" dirty="0" smtClean="0"/>
-              <a:t>O de la inteligencia colectiva</a:t>
-            </a:r>
-            <a:r>
-              <a:rPr lang="es-HN" dirty="0" smtClean="0"/>
-              <a:t>.</a:t>
-            </a:r>
+              <a:t>O de la inteligencia </a:t>
+            </a:r>
+            <a:r>
+              <a:rPr lang="es-HN" dirty="0" smtClean="0"/>
+              <a:t>colectiva</a:t>
+            </a:r>
+            <a:r>
+              <a:rPr lang="es-HN" dirty="0" smtClean="0"/>
+              <a:t>: </a:t>
+            </a:r>
+            <a:r>
+              <a:rPr lang="es-HN" b="1" dirty="0" smtClean="0"/>
+              <a:t>colaborativos.</a:t>
+            </a:r>
+            <a:endParaRPr lang="es-HN" dirty="0" smtClean="0"/>
           </a:p>
           <a:p>
             <a:pPr lvl="1"/>
@@ -4515,7 +4821,7 @@
               <a:t>En todo caso, necesitan una etapa de </a:t>
             </a:r>
             <a:r>
-              <a:rPr lang="es-HN" i="1" dirty="0" smtClean="0"/>
+              <a:rPr lang="es-HN" b="1" dirty="0" smtClean="0"/>
               <a:t>aprendizaje</a:t>
             </a:r>
             <a:r>
@@ -4526,6 +4832,30 @@
           </a:p>
           <a:p>
             <a:endParaRPr lang="es-HN" dirty="0"/>
+          </a:p>
+        </p:txBody>
+      </p:sp>
+      <p:sp>
+        <p:nvSpPr>
+          <p:cNvPr id="4" name="3 Marcador de número de diapositiva"/>
+          <p:cNvSpPr>
+            <a:spLocks noGrp="1"/>
+          </p:cNvSpPr>
+          <p:nvPr>
+            <p:ph type="sldNum" sz="quarter" idx="12"/>
+          </p:nvPr>
+        </p:nvSpPr>
+        <p:spPr/>
+        <p:txBody>
+          <a:bodyPr/>
+          <a:lstStyle/>
+          <a:p>
+            <a:fld id="{683302FF-1BA4-4AFA-88DF-EAB884E37B73}" type="slidenum">
+              <a:rPr lang="es-HN" smtClean="0"/>
+              <a:pPr/>
+              <a:t>5</a:t>
+            </a:fld>
+            <a:endParaRPr lang="es-HN"/>
           </a:p>
         </p:txBody>
       </p:sp>
@@ -4601,7 +4931,15 @@
             <a:pPr lvl="1"/>
             <a:r>
               <a:rPr lang="es-HN" dirty="0" smtClean="0"/>
-              <a:t>Aprendizaje de máquina: crea hipótesis de cómo funciona el mundo en base a su experiencia.</a:t>
+              <a:t>Aprendizaje de máquina: crea </a:t>
+            </a:r>
+            <a:r>
+              <a:rPr lang="es-HN" b="1" dirty="0" smtClean="0"/>
+              <a:t>hipótesis</a:t>
+            </a:r>
+            <a:r>
+              <a:rPr lang="es-HN" dirty="0" smtClean="0"/>
+              <a:t> de cómo funciona el mundo en base a su experiencia.</a:t>
             </a:r>
           </a:p>
           <a:p>
@@ -4611,14 +4949,38 @@
               <a:t>Redes neuronales, inferencia bayesiana, árboles de decisión… En todo caso se debe tratar de encontrar </a:t>
             </a:r>
             <a:r>
-              <a:rPr lang="es-HN" i="1" dirty="0" smtClean="0"/>
-              <a:t>qué</a:t>
-            </a:r>
-            <a:r>
-              <a:rPr lang="es-HN" dirty="0" smtClean="0"/>
-              <a:t> define a un curso.</a:t>
+              <a:rPr lang="es-HN" b="1" dirty="0" smtClean="0"/>
+              <a:t>qué define a un curso</a:t>
+            </a:r>
+            <a:r>
+              <a:rPr lang="es-HN" dirty="0" smtClean="0"/>
+              <a:t>.</a:t>
             </a:r>
             <a:endParaRPr lang="es-HN" dirty="0"/>
+          </a:p>
+        </p:txBody>
+      </p:sp>
+      <p:sp>
+        <p:nvSpPr>
+          <p:cNvPr id="4" name="3 Marcador de número de diapositiva"/>
+          <p:cNvSpPr>
+            <a:spLocks noGrp="1"/>
+          </p:cNvSpPr>
+          <p:nvPr>
+            <p:ph type="sldNum" sz="quarter" idx="12"/>
+          </p:nvPr>
+        </p:nvSpPr>
+        <p:spPr/>
+        <p:txBody>
+          <a:bodyPr/>
+          <a:lstStyle/>
+          <a:p>
+            <a:fld id="{683302FF-1BA4-4AFA-88DF-EAB884E37B73}" type="slidenum">
+              <a:rPr lang="es-HN" smtClean="0"/>
+              <a:pPr/>
+              <a:t>6</a:t>
+            </a:fld>
+            <a:endParaRPr lang="es-HN"/>
           </a:p>
         </p:txBody>
       </p:sp>
@@ -4696,7 +5058,7 @@
               <a:t>Obtener información </a:t>
             </a:r>
             <a:r>
-              <a:rPr lang="es-HN" i="1" dirty="0" smtClean="0"/>
+              <a:rPr lang="es-HN" b="1" dirty="0" smtClean="0"/>
               <a:t>útil</a:t>
             </a:r>
             <a:r>
@@ -4715,7 +5077,7 @@
               <a:t>Trata de maximizar la ganancia y la </a:t>
             </a:r>
             <a:r>
-              <a:rPr lang="es-HN" i="1" dirty="0" err="1" smtClean="0"/>
+              <a:rPr lang="es-HN" b="1" dirty="0" err="1" smtClean="0"/>
               <a:t>serendipia</a:t>
             </a:r>
             <a:r>
@@ -4731,7 +5093,15 @@
           <a:p>
             <a:r>
               <a:rPr lang="es-HN" dirty="0" smtClean="0"/>
-              <a:t>Se enfoca en la utilidad, que trasciende a la relevancia</a:t>
+              <a:t>Se enfoca en la </a:t>
+            </a:r>
+            <a:r>
+              <a:rPr lang="es-HN" b="1" dirty="0" smtClean="0"/>
+              <a:t>utilidad</a:t>
+            </a:r>
+            <a:r>
+              <a:rPr lang="es-HN" dirty="0" smtClean="0"/>
+              <a:t>, que trasciende a la relevancia</a:t>
             </a:r>
             <a:r>
               <a:rPr lang="es-HN" dirty="0" smtClean="0"/>
@@ -4743,6 +5113,30 @@
               <a:buNone/>
             </a:pPr>
             <a:endParaRPr lang="es-HN" dirty="0" smtClean="0"/>
+          </a:p>
+        </p:txBody>
+      </p:sp>
+      <p:sp>
+        <p:nvSpPr>
+          <p:cNvPr id="6" name="5 Marcador de número de diapositiva"/>
+          <p:cNvSpPr>
+            <a:spLocks noGrp="1"/>
+          </p:cNvSpPr>
+          <p:nvPr>
+            <p:ph type="sldNum" sz="quarter" idx="12"/>
+          </p:nvPr>
+        </p:nvSpPr>
+        <p:spPr/>
+        <p:txBody>
+          <a:bodyPr/>
+          <a:lstStyle/>
+          <a:p>
+            <a:fld id="{683302FF-1BA4-4AFA-88DF-EAB884E37B73}" type="slidenum">
+              <a:rPr lang="es-HN" smtClean="0"/>
+              <a:pPr/>
+              <a:t>7</a:t>
+            </a:fld>
+            <a:endParaRPr lang="es-HN"/>
           </a:p>
         </p:txBody>
       </p:sp>
@@ -4813,16 +5207,32 @@
           <a:p>
             <a:r>
               <a:rPr lang="es-HN" dirty="0" smtClean="0"/>
-              <a:t>La educación es social, no individual.</a:t>
-            </a:r>
-          </a:p>
-          <a:p>
-            <a:r>
-              <a:rPr lang="es-HN" dirty="0" smtClean="0"/>
-              <a:t>Los documentos más útiles son los que el usuario no ha buscado aún: se beneficiaría de una búsqueda orientada a </a:t>
-            </a:r>
-            <a:r>
-              <a:rPr lang="es-HN" i="1" dirty="0" smtClean="0"/>
+              <a:t>La educación es </a:t>
+            </a:r>
+            <a:r>
+              <a:rPr lang="es-HN" b="1" dirty="0" smtClean="0"/>
+              <a:t>social</a:t>
+            </a:r>
+            <a:r>
+              <a:rPr lang="es-HN" dirty="0" smtClean="0"/>
+              <a:t>, no individual.</a:t>
+            </a:r>
+          </a:p>
+          <a:p>
+            <a:r>
+              <a:rPr lang="es-HN" dirty="0" smtClean="0"/>
+              <a:t>Los documentos más útiles son los que el usuario no ha buscado aún: </a:t>
+            </a:r>
+            <a:r>
+              <a:rPr lang="es-HN" dirty="0" smtClean="0"/>
+              <a:t>búsqueda </a:t>
+            </a:r>
+            <a:r>
+              <a:rPr lang="es-HN" dirty="0" smtClean="0"/>
+              <a:t>orientada a </a:t>
+            </a:r>
+            <a:r>
+              <a:rPr lang="es-HN" b="1" dirty="0" smtClean="0"/>
               <a:t>conceptos</a:t>
             </a:r>
             <a:r>
@@ -4837,17 +5247,41 @@
           <a:p>
             <a:r>
               <a:rPr lang="es-HN" dirty="0" smtClean="0"/>
-              <a:t>Se puede saber algo del curso, con este conocimiento los resultados se pueden </a:t>
-            </a:r>
-            <a:r>
-              <a:rPr lang="es-HN" i="1" dirty="0" smtClean="0"/>
-              <a:t>filtrar</a:t>
+              <a:t>Se puede saber algo del curso, con este conocimiento los resultados se pueden</a:t>
+            </a:r>
+            <a:r>
+              <a:rPr lang="es-HN" b="1" dirty="0" smtClean="0"/>
+              <a:t> filtrar</a:t>
             </a:r>
             <a:r>
               <a:rPr lang="es-HN" dirty="0" smtClean="0"/>
               <a:t>.</a:t>
             </a:r>
             <a:endParaRPr lang="es-HN" dirty="0" smtClean="0"/>
+          </a:p>
+        </p:txBody>
+      </p:sp>
+      <p:sp>
+        <p:nvSpPr>
+          <p:cNvPr id="4" name="3 Marcador de número de diapositiva"/>
+          <p:cNvSpPr>
+            <a:spLocks noGrp="1"/>
+          </p:cNvSpPr>
+          <p:nvPr>
+            <p:ph type="sldNum" sz="quarter" idx="12"/>
+          </p:nvPr>
+        </p:nvSpPr>
+        <p:spPr/>
+        <p:txBody>
+          <a:bodyPr/>
+          <a:lstStyle/>
+          <a:p>
+            <a:fld id="{683302FF-1BA4-4AFA-88DF-EAB884E37B73}" type="slidenum">
+              <a:rPr lang="es-HN" smtClean="0"/>
+              <a:pPr/>
+              <a:t>8</a:t>
+            </a:fld>
+            <a:endParaRPr lang="es-HN"/>
           </a:p>
         </p:txBody>
       </p:sp>
@@ -4915,22 +5349,66 @@
           <a:lstStyle/>
           <a:p>
             <a:r>
-              <a:rPr lang="es-HN" dirty="0" smtClean="0"/>
-              <a:t>Recopilar información del curso en el que se planifica.</a:t>
-            </a:r>
-          </a:p>
-          <a:p>
-            <a:r>
-              <a:rPr lang="es-HN" dirty="0" smtClean="0"/>
-              <a:t>Buscar documentos y considerar la relevancia/utilidad en base a la tarea actual y a lo que ya se sabe del curso.</a:t>
-            </a:r>
-          </a:p>
-          <a:p>
-            <a:r>
-              <a:rPr lang="es-HN" dirty="0" smtClean="0"/>
-              <a:t>Hacerlo de manera que no interrumpa la tarea principal.</a:t>
+              <a:rPr lang="es-HN" b="1" dirty="0" smtClean="0"/>
+              <a:t>Recopilar información </a:t>
+            </a:r>
+            <a:r>
+              <a:rPr lang="es-HN" dirty="0" smtClean="0"/>
+              <a:t>del curso en el que se planifica.</a:t>
+            </a:r>
+          </a:p>
+          <a:p>
+            <a:r>
+              <a:rPr lang="es-HN" dirty="0" smtClean="0"/>
+              <a:t>Buscar documentos y </a:t>
+            </a:r>
+            <a:r>
+              <a:rPr lang="es-HN" b="1" dirty="0" smtClean="0"/>
+              <a:t>ordenar por relevancia/utilidad</a:t>
+            </a:r>
+            <a:r>
+              <a:rPr lang="es-HN" dirty="0" smtClean="0"/>
+              <a:t> en base a la tarea actual y a lo que ya se sabe del curso.</a:t>
+            </a:r>
+          </a:p>
+          <a:p>
+            <a:r>
+              <a:rPr lang="es-HN" dirty="0" smtClean="0"/>
+              <a:t>Hacerlo de manera que </a:t>
+            </a:r>
+            <a:r>
+              <a:rPr lang="es-HN" b="1" dirty="0" smtClean="0"/>
+              <a:t>no interrumpa</a:t>
+            </a:r>
+            <a:r>
+              <a:rPr lang="es-HN" dirty="0" smtClean="0"/>
+              <a:t> la tarea principal.</a:t>
             </a:r>
             <a:endParaRPr lang="es-HN" dirty="0"/>
+          </a:p>
+        </p:txBody>
+      </p:sp>
+      <p:sp>
+        <p:nvSpPr>
+          <p:cNvPr id="4" name="3 Marcador de número de diapositiva"/>
+          <p:cNvSpPr>
+            <a:spLocks noGrp="1"/>
+          </p:cNvSpPr>
+          <p:nvPr>
+            <p:ph type="sldNum" sz="quarter" idx="12"/>
+          </p:nvPr>
+        </p:nvSpPr>
+        <p:spPr/>
+        <p:txBody>
+          <a:bodyPr/>
+          <a:lstStyle/>
+          <a:p>
+            <a:fld id="{683302FF-1BA4-4AFA-88DF-EAB884E37B73}" type="slidenum">
+              <a:rPr lang="es-HN" smtClean="0"/>
+              <a:pPr/>
+              <a:t>9</a:t>
+            </a:fld>
+            <a:endParaRPr lang="es-HN"/>
           </a:p>
         </p:txBody>
       </p:sp>

--- a/Expo.pptx
+++ b/Expo.pptx
@@ -5,26 +5,29 @@
     <p:sldMasterId id="2147483792" r:id="rId1"/>
   </p:sldMasterIdLst>
   <p:notesMasterIdLst>
-    <p:notesMasterId r:id="rId19"/>
+    <p:notesMasterId r:id="rId22"/>
   </p:notesMasterIdLst>
   <p:sldIdLst>
     <p:sldId id="256" r:id="rId2"/>
-    <p:sldId id="257" r:id="rId3"/>
+    <p:sldId id="278" r:id="rId3"/>
     <p:sldId id="264" r:id="rId4"/>
     <p:sldId id="260" r:id="rId5"/>
-    <p:sldId id="261" r:id="rId6"/>
-    <p:sldId id="274" r:id="rId7"/>
+    <p:sldId id="274" r:id="rId6"/>
+    <p:sldId id="276" r:id="rId7"/>
     <p:sldId id="259" r:id="rId8"/>
-    <p:sldId id="262" r:id="rId9"/>
+    <p:sldId id="277" r:id="rId9"/>
     <p:sldId id="265" r:id="rId10"/>
-    <p:sldId id="266" r:id="rId11"/>
-    <p:sldId id="267" r:id="rId12"/>
-    <p:sldId id="268" r:id="rId13"/>
-    <p:sldId id="273" r:id="rId14"/>
-    <p:sldId id="269" r:id="rId15"/>
-    <p:sldId id="271" r:id="rId16"/>
-    <p:sldId id="270" r:id="rId17"/>
-    <p:sldId id="272" r:id="rId18"/>
+    <p:sldId id="267" r:id="rId11"/>
+    <p:sldId id="268" r:id="rId12"/>
+    <p:sldId id="273" r:id="rId13"/>
+    <p:sldId id="257" r:id="rId14"/>
+    <p:sldId id="262" r:id="rId15"/>
+    <p:sldId id="261" r:id="rId16"/>
+    <p:sldId id="271" r:id="rId17"/>
+    <p:sldId id="270" r:id="rId18"/>
+    <p:sldId id="272" r:id="rId19"/>
+    <p:sldId id="266" r:id="rId20"/>
+    <p:sldId id="275" r:id="rId21"/>
   </p:sldIdLst>
   <p:sldSz cx="9144000" cy="6858000" type="screen4x3"/>
   <p:notesSz cx="6858000" cy="9144000"/>
@@ -208,7 +211,8 @@
           <a:p>
             <a:fld id="{C9153C30-4F9A-493B-9B61-0D1DCEB44C71}" type="datetimeFigureOut">
               <a:rPr lang="es-HN" smtClean="0"/>
-              <a:t>12/03/2010</a:t>
+              <a:pPr/>
+              <a:t>19/03/2010</a:t>
             </a:fld>
             <a:endParaRPr lang="es-HN"/>
           </a:p>
@@ -369,6 +373,7 @@
           <a:p>
             <a:fld id="{3A2D96B6-025E-4A70-97D5-00A3D314FF75}" type="slidenum">
               <a:rPr lang="es-HN" smtClean="0"/>
+              <a:pPr/>
               <a:t>‹Nº›</a:t>
             </a:fld>
             <a:endParaRPr lang="es-HN"/>
@@ -540,7 +545,8 @@
           <a:p>
             <a:fld id="{3A2D96B6-025E-4A70-97D5-00A3D314FF75}" type="slidenum">
               <a:rPr lang="es-HN" smtClean="0"/>
-              <a:t>15</a:t>
+              <a:pPr/>
+              <a:t>16</a:t>
             </a:fld>
             <a:endParaRPr lang="es-HN"/>
           </a:p>
@@ -735,7 +741,8 @@
           <a:p>
             <a:fld id="{952A1765-BE52-4F73-B16A-C4C713E36501}" type="datetime1">
               <a:rPr lang="es-HN" smtClean="0"/>
-              <a:t>12/03/2010</a:t>
+              <a:pPr/>
+              <a:t>19/03/2010</a:t>
             </a:fld>
             <a:endParaRPr lang="es-HN"/>
           </a:p>
@@ -901,7 +908,8 @@
           <a:p>
             <a:fld id="{DF3EA402-5D1B-4E16-A404-B4E01CFABF0C}" type="datetime1">
               <a:rPr lang="es-HN" smtClean="0"/>
-              <a:t>12/03/2010</a:t>
+              <a:pPr/>
+              <a:t>19/03/2010</a:t>
             </a:fld>
             <a:endParaRPr lang="es-HN"/>
           </a:p>
@@ -1077,7 +1085,8 @@
           <a:p>
             <a:fld id="{CB5830A5-09F9-477C-93E1-BE549956FC5E}" type="datetime1">
               <a:rPr lang="es-HN" smtClean="0"/>
-              <a:t>12/03/2010</a:t>
+              <a:pPr/>
+              <a:t>19/03/2010</a:t>
             </a:fld>
             <a:endParaRPr lang="es-HN"/>
           </a:p>
@@ -1243,7 +1252,8 @@
           <a:p>
             <a:fld id="{C1E4FC81-878A-446C-8C69-6029120D8514}" type="datetime1">
               <a:rPr lang="es-HN" smtClean="0"/>
-              <a:t>12/03/2010</a:t>
+              <a:pPr/>
+              <a:t>19/03/2010</a:t>
             </a:fld>
             <a:endParaRPr lang="es-HN"/>
           </a:p>
@@ -1485,7 +1495,8 @@
           <a:p>
             <a:fld id="{DC98CF40-E079-411D-AAE6-2C346CF9FE8A}" type="datetime1">
               <a:rPr lang="es-HN" smtClean="0"/>
-              <a:t>12/03/2010</a:t>
+              <a:pPr/>
+              <a:t>19/03/2010</a:t>
             </a:fld>
             <a:endParaRPr lang="es-HN"/>
           </a:p>
@@ -1769,7 +1780,8 @@
           <a:p>
             <a:fld id="{706C737A-437A-46E3-8C95-6CC42A571FCB}" type="datetime1">
               <a:rPr lang="es-HN" smtClean="0"/>
-              <a:t>12/03/2010</a:t>
+              <a:pPr/>
+              <a:t>19/03/2010</a:t>
             </a:fld>
             <a:endParaRPr lang="es-HN"/>
           </a:p>
@@ -2187,7 +2199,8 @@
           <a:p>
             <a:fld id="{DCCE639C-F4A7-4EA5-9F9F-6EF3A6C0866B}" type="datetime1">
               <a:rPr lang="es-HN" smtClean="0"/>
-              <a:t>12/03/2010</a:t>
+              <a:pPr/>
+              <a:t>19/03/2010</a:t>
             </a:fld>
             <a:endParaRPr lang="es-HN"/>
           </a:p>
@@ -2301,7 +2314,8 @@
           <a:p>
             <a:fld id="{7CCF8AD2-6C48-4130-9482-31A3D169312F}" type="datetime1">
               <a:rPr lang="es-HN" smtClean="0"/>
-              <a:t>12/03/2010</a:t>
+              <a:pPr/>
+              <a:t>19/03/2010</a:t>
             </a:fld>
             <a:endParaRPr lang="es-HN"/>
           </a:p>
@@ -2392,7 +2406,8 @@
           <a:p>
             <a:fld id="{E1F0E908-C2B6-4FF2-BB18-B498C02A1789}" type="datetime1">
               <a:rPr lang="es-HN" smtClean="0"/>
-              <a:t>12/03/2010</a:t>
+              <a:pPr/>
+              <a:t>19/03/2010</a:t>
             </a:fld>
             <a:endParaRPr lang="es-HN"/>
           </a:p>
@@ -2665,7 +2680,8 @@
           <a:p>
             <a:fld id="{346E762D-616A-40F3-AFC1-51AFA2CC1FB3}" type="datetime1">
               <a:rPr lang="es-HN" smtClean="0"/>
-              <a:t>12/03/2010</a:t>
+              <a:pPr/>
+              <a:t>19/03/2010</a:t>
             </a:fld>
             <a:endParaRPr lang="es-HN"/>
           </a:p>
@@ -2914,7 +2930,8 @@
           <a:p>
             <a:fld id="{67CD04BE-2724-48B9-9560-153470603696}" type="datetime1">
               <a:rPr lang="es-HN" smtClean="0"/>
-              <a:t>12/03/2010</a:t>
+              <a:pPr/>
+              <a:t>19/03/2010</a:t>
             </a:fld>
             <a:endParaRPr lang="es-HN"/>
           </a:p>
@@ -3123,7 +3140,8 @@
           <a:p>
             <a:fld id="{415F441D-BFFD-4D51-8241-F95D3C03437D}" type="datetime1">
               <a:rPr lang="es-HN" smtClean="0"/>
-              <a:t>12/03/2010</a:t>
+              <a:pPr/>
+              <a:t>19/03/2010</a:t>
             </a:fld>
             <a:endParaRPr lang="es-HN"/>
           </a:p>
@@ -3593,38 +3611,97 @@
           <a:p>
             <a:r>
               <a:rPr lang="es-HN" dirty="0" smtClean="0"/>
-              <a:t>La solución: cómo funcionaría</a:t>
+              <a:t>La solución: retos</a:t>
             </a:r>
             <a:endParaRPr lang="es-HN" dirty="0"/>
           </a:p>
         </p:txBody>
       </p:sp>
-      <p:pic>
-        <p:nvPicPr>
-          <p:cNvPr id="4" name="3 Marcador de contenido" descr="SD_filtering_approach.jpeg"/>
-          <p:cNvPicPr>
-            <a:picLocks noGrp="1" noChangeAspect="1"/>
-          </p:cNvPicPr>
+      <p:sp>
+        <p:nvSpPr>
+          <p:cNvPr id="3" name="2 Marcador de contenido"/>
+          <p:cNvSpPr>
+            <a:spLocks noGrp="1"/>
+          </p:cNvSpPr>
           <p:nvPr>
             <p:ph idx="1"/>
           </p:nvPr>
-        </p:nvPicPr>
-        <p:blipFill>
-          <a:blip r:embed="rId2"/>
-          <a:stretch>
-            <a:fillRect/>
-          </a:stretch>
-        </p:blipFill>
-        <p:spPr>
-          <a:xfrm>
-            <a:off x="457200" y="1936519"/>
-            <a:ext cx="8229600" cy="3853324"/>
-          </a:xfrm>
-        </p:spPr>
-      </p:pic>
-      <p:sp>
-        <p:nvSpPr>
-          <p:cNvPr id="5" name="4 Marcador de número de diapositiva"/>
+        </p:nvSpPr>
+        <p:spPr/>
+        <p:txBody>
+          <a:bodyPr/>
+          <a:lstStyle/>
+          <a:p>
+            <a:r>
+              <a:rPr lang="es-HN" b="1" dirty="0" smtClean="0"/>
+              <a:t>Conseguir una colección</a:t>
+            </a:r>
+            <a:r>
+              <a:rPr lang="es-HN" dirty="0" smtClean="0"/>
+              <a:t> </a:t>
+            </a:r>
+            <a:r>
+              <a:rPr lang="es-HN" dirty="0" smtClean="0"/>
+              <a:t>¿</a:t>
+            </a:r>
+            <a:r>
+              <a:rPr lang="es-HN" i="1" dirty="0" smtClean="0"/>
+              <a:t>web </a:t>
+            </a:r>
+            <a:r>
+              <a:rPr lang="es-HN" i="1" dirty="0" err="1" smtClean="0"/>
+              <a:t>crawler</a:t>
+            </a:r>
+            <a:r>
+              <a:rPr lang="es-HN" dirty="0" smtClean="0"/>
+              <a:t> o contribución de usuarios?</a:t>
+            </a:r>
+            <a:endParaRPr lang="es-HN" i="1" dirty="0" smtClean="0"/>
+          </a:p>
+          <a:p>
+            <a:r>
+              <a:rPr lang="es-HN" dirty="0" smtClean="0"/>
+              <a:t>Determinar el </a:t>
+            </a:r>
+            <a:r>
+              <a:rPr lang="es-HN" b="1" dirty="0" smtClean="0"/>
+              <a:t>contexto inmediato</a:t>
+            </a:r>
+            <a:r>
+              <a:rPr lang="es-HN" dirty="0" smtClean="0"/>
+              <a:t>. ¿Extracción de términos local o global?</a:t>
+            </a:r>
+          </a:p>
+          <a:p>
+            <a:r>
+              <a:rPr lang="es-HN" b="1" dirty="0" smtClean="0"/>
+              <a:t>Aprender el perfil</a:t>
+            </a:r>
+            <a:r>
+              <a:rPr lang="es-HN" dirty="0" smtClean="0"/>
+              <a:t> del usuario. </a:t>
+            </a:r>
+            <a:r>
+              <a:rPr lang="es-HN" dirty="0" smtClean="0"/>
+              <a:t>¿Léxica o Semánticamente?</a:t>
+            </a:r>
+          </a:p>
+          <a:p>
+            <a:r>
+              <a:rPr lang="es-HN" b="1" dirty="0" smtClean="0"/>
+              <a:t>Utilizar el perfil</a:t>
+            </a:r>
+            <a:r>
+              <a:rPr lang="es-HN" dirty="0" smtClean="0"/>
+              <a:t> ¿reescribir o filtrar? ¿individual o colaborativo?</a:t>
+            </a:r>
+            <a:endParaRPr lang="es-HN" b="1" dirty="0"/>
+          </a:p>
+        </p:txBody>
+      </p:sp>
+      <p:sp>
+        <p:nvSpPr>
+          <p:cNvPr id="4" name="3 Marcador de número de diapositiva"/>
           <p:cNvSpPr>
             <a:spLocks noGrp="1"/>
           </p:cNvSpPr>
@@ -3680,7 +3757,7 @@
       </p:grpSpPr>
       <p:sp>
         <p:nvSpPr>
-          <p:cNvPr id="2" name="1 Título"/>
+          <p:cNvPr id="4" name="3 Título"/>
           <p:cNvSpPr>
             <a:spLocks noGrp="1"/>
           </p:cNvSpPr>
@@ -3695,7 +3772,15 @@
           <a:p>
             <a:r>
               <a:rPr lang="es-HN" dirty="0" smtClean="0"/>
-              <a:t>La solución: retos</a:t>
+              <a:t>Gracias </a:t>
+            </a:r>
+            <a:r>
+              <a:rPr lang="es-HN" dirty="0" smtClean="0"/>
+              <a:t>por su </a:t>
+            </a:r>
+            <a:r>
+              <a:rPr lang="es-HN" dirty="0" smtClean="0"/>
+              <a:t>atención</a:t>
             </a:r>
             <a:endParaRPr lang="es-HN" dirty="0"/>
           </a:p>
@@ -3703,75 +3788,7 @@
       </p:sp>
       <p:sp>
         <p:nvSpPr>
-          <p:cNvPr id="3" name="2 Marcador de contenido"/>
-          <p:cNvSpPr>
-            <a:spLocks noGrp="1"/>
-          </p:cNvSpPr>
-          <p:nvPr>
-            <p:ph idx="1"/>
-          </p:nvPr>
-        </p:nvSpPr>
-        <p:spPr/>
-        <p:txBody>
-          <a:bodyPr/>
-          <a:lstStyle/>
-          <a:p>
-            <a:r>
-              <a:rPr lang="es-HN" b="1" dirty="0" smtClean="0"/>
-              <a:t>Conseguir una colección</a:t>
-            </a:r>
-            <a:r>
-              <a:rPr lang="es-HN" dirty="0" smtClean="0"/>
-              <a:t> documental. Una manera de resolverlo: un </a:t>
-            </a:r>
-            <a:r>
-              <a:rPr lang="es-HN" i="1" dirty="0" smtClean="0"/>
-              <a:t>web </a:t>
-            </a:r>
-            <a:r>
-              <a:rPr lang="es-HN" i="1" dirty="0" err="1" smtClean="0"/>
-              <a:t>crawler</a:t>
-            </a:r>
-            <a:r>
-              <a:rPr lang="es-HN" i="1" dirty="0" smtClean="0"/>
-              <a:t>. </a:t>
-            </a:r>
-            <a:r>
-              <a:rPr lang="es-HN" dirty="0" smtClean="0"/>
-              <a:t>En realidad, la gente contribuiría.</a:t>
-            </a:r>
-            <a:endParaRPr lang="es-HN" i="1" dirty="0" smtClean="0"/>
-          </a:p>
-          <a:p>
-            <a:r>
-              <a:rPr lang="es-HN" dirty="0" smtClean="0"/>
-              <a:t>Determinar el </a:t>
-            </a:r>
-            <a:r>
-              <a:rPr lang="es-HN" b="1" dirty="0" smtClean="0"/>
-              <a:t>contexto inmediato</a:t>
-            </a:r>
-            <a:r>
-              <a:rPr lang="es-HN" dirty="0" smtClean="0"/>
-              <a:t>. ¿Extracción de términos local o global?</a:t>
-            </a:r>
-          </a:p>
-          <a:p>
-            <a:r>
-              <a:rPr lang="es-HN" b="1" dirty="0" smtClean="0"/>
-              <a:t>Aprender el perfil</a:t>
-            </a:r>
-            <a:r>
-              <a:rPr lang="es-HN" dirty="0" smtClean="0"/>
-              <a:t> del usuario. ¿Aprendizaje de máquina o una ontología simple?</a:t>
-            </a:r>
-            <a:endParaRPr lang="es-HN" dirty="0"/>
-          </a:p>
-        </p:txBody>
-      </p:sp>
-      <p:sp>
-        <p:nvSpPr>
-          <p:cNvPr id="4" name="3 Marcador de número de diapositiva"/>
+          <p:cNvPr id="6" name="5 Marcador de número de diapositiva"/>
           <p:cNvSpPr>
             <a:spLocks noGrp="1"/>
           </p:cNvSpPr>
@@ -3798,13 +3815,6 @@
   <p:clrMapOvr>
     <a:masterClrMapping/>
   </p:clrMapOvr>
-  <p:timing>
-    <p:tnLst>
-      <p:par>
-        <p:cTn id="1" dur="indefinite" restart="never" nodeType="tmRoot"/>
-      </p:par>
-    </p:tnLst>
-  </p:timing>
 </p:sld>
 </file>
 
@@ -3827,30 +3837,7 @@
       </p:grpSpPr>
       <p:sp>
         <p:nvSpPr>
-          <p:cNvPr id="4" name="3 Título"/>
-          <p:cNvSpPr>
-            <a:spLocks noGrp="1"/>
-          </p:cNvSpPr>
-          <p:nvPr>
-            <p:ph type="title"/>
-          </p:nvPr>
-        </p:nvSpPr>
-        <p:spPr/>
-        <p:txBody>
-          <a:bodyPr/>
-          <a:lstStyle/>
-          <a:p>
-            <a:r>
-              <a:rPr lang="es-HN" dirty="0" smtClean="0"/>
-              <a:t>¡Gracias por su atención!</a:t>
-            </a:r>
-            <a:endParaRPr lang="es-HN" dirty="0"/>
-          </a:p>
-        </p:txBody>
-      </p:sp>
-      <p:sp>
-        <p:nvSpPr>
-          <p:cNvPr id="6" name="5 Marcador de número de diapositiva"/>
+          <p:cNvPr id="4" name="3 Marcador de número de diapositiva"/>
           <p:cNvSpPr>
             <a:spLocks noGrp="1"/>
           </p:cNvSpPr>
@@ -3899,6 +3886,75 @@
       </p:grpSpPr>
       <p:sp>
         <p:nvSpPr>
+          <p:cNvPr id="2" name="1 Título"/>
+          <p:cNvSpPr>
+            <a:spLocks noGrp="1"/>
+          </p:cNvSpPr>
+          <p:nvPr>
+            <p:ph type="title"/>
+          </p:nvPr>
+        </p:nvSpPr>
+        <p:spPr/>
+        <p:txBody>
+          <a:bodyPr/>
+          <a:lstStyle/>
+          <a:p>
+            <a:r>
+              <a:rPr lang="es-HN" dirty="0" smtClean="0"/>
+              <a:t>Propósito</a:t>
+            </a:r>
+            <a:endParaRPr lang="es-HN" dirty="0"/>
+          </a:p>
+        </p:txBody>
+      </p:sp>
+      <p:sp>
+        <p:nvSpPr>
+          <p:cNvPr id="3" name="2 Marcador de contenido"/>
+          <p:cNvSpPr>
+            <a:spLocks noGrp="1"/>
+          </p:cNvSpPr>
+          <p:nvPr>
+            <p:ph idx="1"/>
+          </p:nvPr>
+        </p:nvSpPr>
+        <p:spPr/>
+        <p:txBody>
+          <a:bodyPr/>
+          <a:lstStyle/>
+          <a:p>
+            <a:pPr algn="just">
+              <a:buNone/>
+            </a:pPr>
+            <a:r>
+              <a:rPr lang="es-HN" dirty="0" smtClean="0"/>
+              <a:t>	Implementar un sistema que ayude a la planificación de actividades académicas mediante la </a:t>
+            </a:r>
+            <a:r>
+              <a:rPr lang="es-HN" b="1" dirty="0" smtClean="0"/>
+              <a:t>recomendación </a:t>
+            </a:r>
+            <a:r>
+              <a:rPr lang="es-HN" b="1" dirty="0" smtClean="0"/>
+              <a:t>automática</a:t>
+            </a:r>
+            <a:r>
+              <a:rPr lang="es-HN" dirty="0" smtClean="0"/>
+              <a:t> </a:t>
+            </a:r>
+            <a:r>
+              <a:rPr lang="es-HN" dirty="0" smtClean="0"/>
+              <a:t>de documentos que puedan servir como recursos de apoyo</a:t>
+            </a:r>
+            <a:r>
+              <a:rPr lang="es-HN" dirty="0" smtClean="0"/>
+              <a:t>. La planificación en sí se hará en un sistema anfitrión (escolarea.com).</a:t>
+            </a:r>
+            <a:endParaRPr lang="es-HN" dirty="0"/>
+          </a:p>
+        </p:txBody>
+      </p:sp>
+      <p:sp>
+        <p:nvSpPr>
           <p:cNvPr id="4" name="3 Marcador de número de diapositiva"/>
           <p:cNvSpPr>
             <a:spLocks noGrp="1"/>
@@ -3958,12 +4014,14 @@
         </p:nvSpPr>
         <p:spPr/>
         <p:txBody>
-          <a:bodyPr/>
-          <a:lstStyle/>
-          <a:p>
-            <a:r>
-              <a:rPr lang="es-HN" dirty="0" smtClean="0"/>
-              <a:t>Anexos</a:t>
+          <a:bodyPr>
+            <a:normAutofit/>
+          </a:bodyPr>
+          <a:lstStyle/>
+          <a:p>
+            <a:r>
+              <a:rPr lang="es-HN" dirty="0" smtClean="0"/>
+              <a:t>El contexto académico</a:t>
             </a:r>
             <a:endParaRPr lang="es-HN" dirty="0"/>
           </a:p>
@@ -3971,20 +4029,59 @@
       </p:sp>
       <p:sp>
         <p:nvSpPr>
-          <p:cNvPr id="3" name="2 Marcador de texto"/>
-          <p:cNvSpPr>
-            <a:spLocks noGrp="1"/>
-          </p:cNvSpPr>
-          <p:nvPr>
-            <p:ph type="body" idx="1"/>
-          </p:nvPr>
-        </p:nvSpPr>
-        <p:spPr/>
-        <p:txBody>
-          <a:bodyPr/>
-          <a:lstStyle/>
-          <a:p>
-            <a:endParaRPr lang="es-HN"/>
+          <p:cNvPr id="3" name="2 Marcador de contenido"/>
+          <p:cNvSpPr>
+            <a:spLocks noGrp="1"/>
+          </p:cNvSpPr>
+          <p:nvPr>
+            <p:ph idx="1"/>
+          </p:nvPr>
+        </p:nvSpPr>
+        <p:spPr/>
+        <p:txBody>
+          <a:bodyPr/>
+          <a:lstStyle/>
+          <a:p>
+            <a:r>
+              <a:rPr lang="es-HN" dirty="0" smtClean="0"/>
+              <a:t>La educación es </a:t>
+            </a:r>
+            <a:r>
+              <a:rPr lang="es-HN" b="1" dirty="0" smtClean="0"/>
+              <a:t>social</a:t>
+            </a:r>
+            <a:r>
+              <a:rPr lang="es-HN" dirty="0" smtClean="0"/>
+              <a:t>, no individual.</a:t>
+            </a:r>
+          </a:p>
+          <a:p>
+            <a:r>
+              <a:rPr lang="es-HN" dirty="0" smtClean="0"/>
+              <a:t>Los documentos más útiles son los que el usuario no ha buscado aún: búsqueda orientada a </a:t>
+            </a:r>
+            <a:r>
+              <a:rPr lang="es-HN" b="1" dirty="0" smtClean="0"/>
+              <a:t>conceptos</a:t>
+            </a:r>
+            <a:r>
+              <a:rPr lang="es-HN" dirty="0" smtClean="0"/>
+              <a:t> y no solo palabras clave.</a:t>
+            </a:r>
+          </a:p>
+          <a:p>
+            <a:r>
+              <a:rPr lang="es-HN" dirty="0" smtClean="0"/>
+              <a:t>Se puede saber algo del curso, con este conocimiento los resultados se pueden</a:t>
+            </a:r>
+            <a:r>
+              <a:rPr lang="es-HN" b="1" dirty="0" smtClean="0"/>
+              <a:t> filtrar</a:t>
+            </a:r>
+            <a:r>
+              <a:rPr lang="es-HN" dirty="0" smtClean="0"/>
+              <a:t>.</a:t>
+            </a:r>
           </a:p>
         </p:txBody>
       </p:sp>
@@ -4039,7 +4136,7 @@
       </p:grpSpPr>
       <p:sp>
         <p:nvSpPr>
-          <p:cNvPr id="4" name="3 Título"/>
+          <p:cNvPr id="2" name="1 Título"/>
           <p:cNvSpPr>
             <a:spLocks noGrp="1"/>
           </p:cNvSpPr>
@@ -4056,38 +4153,100 @@
           <a:p>
             <a:r>
               <a:rPr lang="es-HN" dirty="0" smtClean="0"/>
-              <a:t>Componentes de un sistema de recuperación de información</a:t>
+              <a:t>Marco teórico: Sistemas de recomendación en general</a:t>
             </a:r>
             <a:endParaRPr lang="es-HN" dirty="0"/>
           </a:p>
         </p:txBody>
       </p:sp>
-      <p:pic>
-        <p:nvPicPr>
-          <p:cNvPr id="6" name="5 Marcador de contenido" descr="1_IR_Cycle.jpeg"/>
-          <p:cNvPicPr>
-            <a:picLocks noGrp="1" noChangeAspect="1"/>
-          </p:cNvPicPr>
+      <p:sp>
+        <p:nvSpPr>
+          <p:cNvPr id="3" name="2 Marcador de contenido"/>
+          <p:cNvSpPr>
+            <a:spLocks noGrp="1"/>
+          </p:cNvSpPr>
           <p:nvPr>
             <p:ph idx="1"/>
           </p:nvPr>
-        </p:nvPicPr>
-        <p:blipFill>
-          <a:blip r:embed="rId3"/>
-          <a:stretch>
-            <a:fillRect/>
-          </a:stretch>
-        </p:blipFill>
-        <p:spPr>
-          <a:xfrm>
-            <a:off x="1395304" y="1600200"/>
-            <a:ext cx="6353392" cy="4525963"/>
-          </a:xfrm>
-        </p:spPr>
-      </p:pic>
-      <p:sp>
-        <p:nvSpPr>
-          <p:cNvPr id="7" name="6 Marcador de número de diapositiva"/>
+        </p:nvSpPr>
+        <p:spPr/>
+        <p:txBody>
+          <a:bodyPr/>
+          <a:lstStyle/>
+          <a:p>
+            <a:r>
+              <a:rPr lang="es-HN" dirty="0" smtClean="0"/>
+              <a:t>Se basan en un artículo que </a:t>
+            </a:r>
+            <a:r>
+              <a:rPr lang="es-HN" b="1" dirty="0" smtClean="0"/>
+              <a:t>ya conocen</a:t>
+            </a:r>
+            <a:r>
+              <a:rPr lang="es-HN" dirty="0" smtClean="0"/>
+              <a:t> y que el usuario está manipulando.</a:t>
+            </a:r>
+          </a:p>
+          <a:p>
+            <a:r>
+              <a:rPr lang="es-HN" b="1" dirty="0" smtClean="0"/>
+              <a:t>Filtran</a:t>
+            </a:r>
+            <a:r>
+              <a:rPr lang="es-HN" dirty="0" smtClean="0"/>
+              <a:t> los artículos existentes</a:t>
+            </a:r>
+          </a:p>
+          <a:p>
+            <a:pPr lvl="1"/>
+            <a:r>
+              <a:rPr lang="es-HN" dirty="0" smtClean="0"/>
+              <a:t>Pueden partir del perfil del usuario y el </a:t>
+            </a:r>
+            <a:r>
+              <a:rPr lang="es-HN" b="1" dirty="0" smtClean="0"/>
+              <a:t>contenido</a:t>
+            </a:r>
+            <a:r>
+              <a:rPr lang="es-HN" dirty="0" smtClean="0"/>
+              <a:t>.</a:t>
+            </a:r>
+          </a:p>
+          <a:p>
+            <a:pPr lvl="1"/>
+            <a:r>
+              <a:rPr lang="es-HN" dirty="0" smtClean="0"/>
+              <a:t>O de la inteligencia colectiva: </a:t>
+            </a:r>
+            <a:r>
+              <a:rPr lang="es-HN" b="1" dirty="0" smtClean="0"/>
+              <a:t>colaborativos.</a:t>
+            </a:r>
+            <a:endParaRPr lang="es-HN" dirty="0" smtClean="0"/>
+          </a:p>
+          <a:p>
+            <a:pPr lvl="1"/>
+            <a:r>
+              <a:rPr lang="es-HN" dirty="0" smtClean="0"/>
+              <a:t>En todo caso, necesitan una etapa de </a:t>
+            </a:r>
+            <a:r>
+              <a:rPr lang="es-HN" b="1" dirty="0" smtClean="0"/>
+              <a:t>aprendizaje</a:t>
+            </a:r>
+            <a:r>
+              <a:rPr lang="es-HN" dirty="0" smtClean="0"/>
+              <a:t> antes de ser efectivos.</a:t>
+            </a:r>
+          </a:p>
+          <a:p>
+            <a:endParaRPr lang="es-HN" dirty="0"/>
+          </a:p>
+        </p:txBody>
+      </p:sp>
+      <p:sp>
+        <p:nvSpPr>
+          <p:cNvPr id="4" name="3 Marcador de número de diapositiva"/>
           <p:cNvSpPr>
             <a:spLocks noGrp="1"/>
           </p:cNvSpPr>
@@ -4153,7 +4312,7 @@
           <a:p>
             <a:r>
               <a:rPr lang="es-HN" dirty="0" smtClean="0"/>
-              <a:t>Taxonomía de sistemas de recuperación de información</a:t>
+              <a:t>Componentes de un sistema de recuperación de información</a:t>
             </a:r>
             <a:endParaRPr lang="es-HN" dirty="0"/>
           </a:p>
@@ -4161,7 +4320,7 @@
       </p:sp>
       <p:pic>
         <p:nvPicPr>
-          <p:cNvPr id="6" name="5 Marcador de contenido" descr="5_IR_taxonomy.jpeg"/>
+          <p:cNvPr id="6" name="5 Marcador de contenido" descr="1_IR_Cycle.jpeg"/>
           <p:cNvPicPr>
             <a:picLocks noGrp="1" noChangeAspect="1"/>
           </p:cNvPicPr>
@@ -4170,15 +4329,15 @@
           </p:nvPr>
         </p:nvPicPr>
         <p:blipFill>
-          <a:blip r:embed="rId2"/>
+          <a:blip r:embed="rId3"/>
           <a:stretch>
             <a:fillRect/>
           </a:stretch>
         </p:blipFill>
         <p:spPr>
           <a:xfrm>
-            <a:off x="1071538" y="1928802"/>
-            <a:ext cx="6756559" cy="3077380"/>
+            <a:off x="1395304" y="1600200"/>
+            <a:ext cx="6353392" cy="4525963"/>
           </a:xfrm>
         </p:spPr>
       </p:pic>
@@ -4233,6 +4392,103 @@
       </p:grpSpPr>
       <p:sp>
         <p:nvSpPr>
+          <p:cNvPr id="4" name="3 Título"/>
+          <p:cNvSpPr>
+            <a:spLocks noGrp="1"/>
+          </p:cNvSpPr>
+          <p:nvPr>
+            <p:ph type="title"/>
+          </p:nvPr>
+        </p:nvSpPr>
+        <p:spPr/>
+        <p:txBody>
+          <a:bodyPr>
+            <a:normAutofit fontScale="90000"/>
+          </a:bodyPr>
+          <a:lstStyle/>
+          <a:p>
+            <a:r>
+              <a:rPr lang="es-HN" dirty="0" smtClean="0"/>
+              <a:t>Taxonomía de sistemas de recuperación de información</a:t>
+            </a:r>
+            <a:endParaRPr lang="es-HN" dirty="0"/>
+          </a:p>
+        </p:txBody>
+      </p:sp>
+      <p:pic>
+        <p:nvPicPr>
+          <p:cNvPr id="6" name="5 Marcador de contenido" descr="5_IR_taxonomy.jpeg"/>
+          <p:cNvPicPr>
+            <a:picLocks noGrp="1" noChangeAspect="1"/>
+          </p:cNvPicPr>
+          <p:nvPr>
+            <p:ph idx="1"/>
+          </p:nvPr>
+        </p:nvPicPr>
+        <p:blipFill>
+          <a:blip r:embed="rId2"/>
+          <a:stretch>
+            <a:fillRect/>
+          </a:stretch>
+        </p:blipFill>
+        <p:spPr>
+          <a:xfrm>
+            <a:off x="1071538" y="1928802"/>
+            <a:ext cx="6756559" cy="3077380"/>
+          </a:xfrm>
+        </p:spPr>
+      </p:pic>
+      <p:sp>
+        <p:nvSpPr>
+          <p:cNvPr id="7" name="6 Marcador de número de diapositiva"/>
+          <p:cNvSpPr>
+            <a:spLocks noGrp="1"/>
+          </p:cNvSpPr>
+          <p:nvPr>
+            <p:ph type="sldNum" sz="quarter" idx="12"/>
+          </p:nvPr>
+        </p:nvSpPr>
+        <p:spPr/>
+        <p:txBody>
+          <a:bodyPr/>
+          <a:lstStyle/>
+          <a:p>
+            <a:fld id="{683302FF-1BA4-4AFA-88DF-EAB884E37B73}" type="slidenum">
+              <a:rPr lang="es-HN" smtClean="0"/>
+              <a:pPr/>
+              <a:t>17</a:t>
+            </a:fld>
+            <a:endParaRPr lang="es-HN"/>
+          </a:p>
+        </p:txBody>
+      </p:sp>
+    </p:spTree>
+  </p:cSld>
+  <p:clrMapOvr>
+    <a:masterClrMapping/>
+  </p:clrMapOvr>
+</p:sld>
+</file>
+
+<file path=ppt/slides/slide18.xml><?xml version="1.0" encoding="utf-8"?>
+<p:sld xmlns:a="http://schemas.openxmlformats.org/drawingml/2006/main" xmlns:r="http://schemas.openxmlformats.org/officeDocument/2006/relationships" xmlns:p="http://schemas.openxmlformats.org/presentationml/2006/main">
+  <p:cSld>
+    <p:spTree>
+      <p:nvGrpSpPr>
+        <p:cNvPr id="1" name=""/>
+        <p:cNvGrpSpPr/>
+        <p:nvPr/>
+      </p:nvGrpSpPr>
+      <p:grpSpPr>
+        <a:xfrm>
+          <a:off x="0" y="0"/>
+          <a:ext cx="0" cy="0"/>
+          <a:chOff x="0" y="0"/>
+          <a:chExt cx="0" cy="0"/>
+        </a:xfrm>
+      </p:grpSpPr>
+      <p:sp>
+        <p:nvSpPr>
           <p:cNvPr id="2" name="1 Título"/>
           <p:cNvSpPr>
             <a:spLocks noGrp="1"/>
@@ -4295,7 +4551,109 @@
             <a:fld id="{683302FF-1BA4-4AFA-88DF-EAB884E37B73}" type="slidenum">
               <a:rPr lang="es-HN" smtClean="0"/>
               <a:pPr/>
-              <a:t>17</a:t>
+              <a:t>18</a:t>
+            </a:fld>
+            <a:endParaRPr lang="es-HN"/>
+          </a:p>
+        </p:txBody>
+      </p:sp>
+    </p:spTree>
+  </p:cSld>
+  <p:clrMapOvr>
+    <a:masterClrMapping/>
+  </p:clrMapOvr>
+  <p:timing>
+    <p:tnLst>
+      <p:par>
+        <p:cTn id="1" dur="indefinite" restart="never" nodeType="tmRoot"/>
+      </p:par>
+    </p:tnLst>
+  </p:timing>
+</p:sld>
+</file>
+
+<file path=ppt/slides/slide19.xml><?xml version="1.0" encoding="utf-8"?>
+<p:sld xmlns:a="http://schemas.openxmlformats.org/drawingml/2006/main" xmlns:r="http://schemas.openxmlformats.org/officeDocument/2006/relationships" xmlns:p="http://schemas.openxmlformats.org/presentationml/2006/main">
+  <p:cSld>
+    <p:spTree>
+      <p:nvGrpSpPr>
+        <p:cNvPr id="1" name=""/>
+        <p:cNvGrpSpPr/>
+        <p:nvPr/>
+      </p:nvGrpSpPr>
+      <p:grpSpPr>
+        <a:xfrm>
+          <a:off x="0" y="0"/>
+          <a:ext cx="0" cy="0"/>
+          <a:chOff x="0" y="0"/>
+          <a:chExt cx="0" cy="0"/>
+        </a:xfrm>
+      </p:grpSpPr>
+      <p:sp>
+        <p:nvSpPr>
+          <p:cNvPr id="2" name="1 Título"/>
+          <p:cNvSpPr>
+            <a:spLocks noGrp="1"/>
+          </p:cNvSpPr>
+          <p:nvPr>
+            <p:ph type="title"/>
+          </p:nvPr>
+        </p:nvSpPr>
+        <p:spPr/>
+        <p:txBody>
+          <a:bodyPr/>
+          <a:lstStyle/>
+          <a:p>
+            <a:r>
+              <a:rPr lang="es-HN" dirty="0" smtClean="0"/>
+              <a:t>La solución: cómo funcionaría</a:t>
+            </a:r>
+            <a:endParaRPr lang="es-HN" dirty="0"/>
+          </a:p>
+        </p:txBody>
+      </p:sp>
+      <p:pic>
+        <p:nvPicPr>
+          <p:cNvPr id="4" name="3 Marcador de contenido" descr="SD_filtering_approach.jpeg"/>
+          <p:cNvPicPr>
+            <a:picLocks noGrp="1" noChangeAspect="1"/>
+          </p:cNvPicPr>
+          <p:nvPr>
+            <p:ph idx="1"/>
+          </p:nvPr>
+        </p:nvPicPr>
+        <p:blipFill>
+          <a:blip r:embed="rId2"/>
+          <a:stretch>
+            <a:fillRect/>
+          </a:stretch>
+        </p:blipFill>
+        <p:spPr>
+          <a:xfrm>
+            <a:off x="457200" y="1936519"/>
+            <a:ext cx="8229600" cy="3853324"/>
+          </a:xfrm>
+        </p:spPr>
+      </p:pic>
+      <p:sp>
+        <p:nvSpPr>
+          <p:cNvPr id="5" name="4 Marcador de número de diapositiva"/>
+          <p:cNvSpPr>
+            <a:spLocks noGrp="1"/>
+          </p:cNvSpPr>
+          <p:nvPr>
+            <p:ph type="sldNum" sz="quarter" idx="12"/>
+          </p:nvPr>
+        </p:nvSpPr>
+        <p:spPr/>
+        <p:txBody>
+          <a:bodyPr/>
+          <a:lstStyle/>
+          <a:p>
+            <a:fld id="{683302FF-1BA4-4AFA-88DF-EAB884E37B73}" type="slidenum">
+              <a:rPr lang="es-HN" smtClean="0"/>
+              <a:pPr/>
+              <a:t>19</a:t>
             </a:fld>
             <a:endParaRPr lang="es-HN"/>
           </a:p>
@@ -4350,7 +4708,7 @@
           <a:p>
             <a:r>
               <a:rPr lang="es-HN" dirty="0" smtClean="0"/>
-              <a:t>Propósito</a:t>
+              <a:t>Problema y propósito</a:t>
             </a:r>
             <a:endParaRPr lang="es-HN" dirty="0"/>
           </a:p>
@@ -4371,18 +4729,21 @@
           <a:bodyPr/>
           <a:lstStyle/>
           <a:p>
-            <a:pPr algn="just">
-              <a:buNone/>
-            </a:pPr>
-            <a:r>
-              <a:rPr lang="es-HN" dirty="0" smtClean="0"/>
-              <a:t>	Implementar un sistema que ayude a la planificación de actividades académicas mediante la recomendación proactiva de documentos que puedan servir como recursos de </a:t>
-            </a:r>
-            <a:r>
-              <a:rPr lang="es-HN" dirty="0" smtClean="0"/>
-              <a:t>apoyo.</a:t>
-            </a:r>
-            <a:endParaRPr lang="es-HN" dirty="0"/>
+            <a:r>
+              <a:rPr lang="es-HN" dirty="0" smtClean="0"/>
+              <a:t>Los docentes que utilizan un sistema de administración de cursos para planificar/documentar ¿se beneficiarían de sugerencias de recursos?</a:t>
+            </a:r>
+          </a:p>
+          <a:p>
+            <a:r>
+              <a:rPr lang="es-HN" dirty="0" smtClean="0"/>
+              <a:t>Propósito: implementar un sistema que, en un anfitrión (escolarea.com), haga recomendaciones </a:t>
+            </a:r>
+            <a:r>
+              <a:rPr lang="es-HN" b="1" dirty="0" smtClean="0"/>
+              <a:t>automáticas, útiles y oportunas.</a:t>
+            </a:r>
+            <a:endParaRPr lang="es-HN" b="1" dirty="0"/>
           </a:p>
         </p:txBody>
       </p:sp>
@@ -4405,6 +4766,103 @@
               <a:rPr lang="es-HN" smtClean="0"/>
               <a:pPr/>
               <a:t>2</a:t>
+            </a:fld>
+            <a:endParaRPr lang="es-HN"/>
+          </a:p>
+        </p:txBody>
+      </p:sp>
+    </p:spTree>
+  </p:cSld>
+  <p:clrMapOvr>
+    <a:masterClrMapping/>
+  </p:clrMapOvr>
+</p:sld>
+</file>
+
+<file path=ppt/slides/slide20.xml><?xml version="1.0" encoding="utf-8"?>
+<p:sld xmlns:a="http://schemas.openxmlformats.org/drawingml/2006/main" xmlns:r="http://schemas.openxmlformats.org/officeDocument/2006/relationships" xmlns:p="http://schemas.openxmlformats.org/presentationml/2006/main">
+  <p:cSld>
+    <p:spTree>
+      <p:nvGrpSpPr>
+        <p:cNvPr id="1" name=""/>
+        <p:cNvGrpSpPr/>
+        <p:nvPr/>
+      </p:nvGrpSpPr>
+      <p:grpSpPr>
+        <a:xfrm>
+          <a:off x="0" y="0"/>
+          <a:ext cx="0" cy="0"/>
+          <a:chOff x="0" y="0"/>
+          <a:chExt cx="0" cy="0"/>
+        </a:xfrm>
+      </p:grpSpPr>
+      <p:sp>
+        <p:nvSpPr>
+          <p:cNvPr id="2" name="1 Título"/>
+          <p:cNvSpPr>
+            <a:spLocks noGrp="1"/>
+          </p:cNvSpPr>
+          <p:nvPr>
+            <p:ph type="title"/>
+          </p:nvPr>
+        </p:nvSpPr>
+        <p:spPr/>
+        <p:txBody>
+          <a:bodyPr>
+            <a:normAutofit fontScale="90000"/>
+          </a:bodyPr>
+          <a:lstStyle/>
+          <a:p>
+            <a:r>
+              <a:rPr lang="es-HN" dirty="0" smtClean="0"/>
+              <a:t>La solución: otra manera de hacerlo</a:t>
+            </a:r>
+            <a:endParaRPr lang="es-HN" dirty="0"/>
+          </a:p>
+        </p:txBody>
+      </p:sp>
+      <p:pic>
+        <p:nvPicPr>
+          <p:cNvPr id="5" name="4 Marcador de contenido" descr="SD_domain_knowledge_approach.jpeg"/>
+          <p:cNvPicPr>
+            <a:picLocks noGrp="1" noChangeAspect="1"/>
+          </p:cNvPicPr>
+          <p:nvPr>
+            <p:ph idx="1"/>
+          </p:nvPr>
+        </p:nvPicPr>
+        <p:blipFill>
+          <a:blip r:embed="rId2"/>
+          <a:stretch>
+            <a:fillRect/>
+          </a:stretch>
+        </p:blipFill>
+        <p:spPr>
+          <a:xfrm>
+            <a:off x="752475" y="2196306"/>
+            <a:ext cx="7639050" cy="3333750"/>
+          </a:xfrm>
+        </p:spPr>
+      </p:pic>
+      <p:sp>
+        <p:nvSpPr>
+          <p:cNvPr id="4" name="3 Marcador de número de diapositiva"/>
+          <p:cNvSpPr>
+            <a:spLocks noGrp="1"/>
+          </p:cNvSpPr>
+          <p:nvPr>
+            <p:ph type="sldNum" sz="quarter" idx="12"/>
+          </p:nvPr>
+        </p:nvSpPr>
+        <p:spPr/>
+        <p:txBody>
+          <a:bodyPr/>
+          <a:lstStyle/>
+          <a:p>
+            <a:fld id="{683302FF-1BA4-4AFA-88DF-EAB884E37B73}" type="slidenum">
+              <a:rPr lang="es-HN" smtClean="0"/>
+              <a:pPr/>
+              <a:t>20</a:t>
             </a:fld>
             <a:endParaRPr lang="es-HN"/>
           </a:p>
@@ -4475,34 +4933,73 @@
           <a:p>
             <a:r>
               <a:rPr lang="es-HN" dirty="0" smtClean="0"/>
-              <a:t>¿De dónde sacar la información?</a:t>
+              <a:t>¿Cómo </a:t>
+            </a:r>
+            <a:r>
+              <a:rPr lang="es-HN" b="1" dirty="0" smtClean="0"/>
+              <a:t>obtener</a:t>
+            </a:r>
+            <a:r>
+              <a:rPr lang="es-HN" dirty="0" smtClean="0"/>
+              <a:t> documentos? </a:t>
+            </a:r>
+          </a:p>
+          <a:p>
+            <a:r>
+              <a:rPr lang="es-HN" dirty="0" smtClean="0"/>
+              <a:t>¿</a:t>
+            </a:r>
+            <a:r>
+              <a:rPr lang="es-HN" dirty="0" smtClean="0"/>
+              <a:t>Cómo saber </a:t>
+            </a:r>
+            <a:r>
+              <a:rPr lang="es-HN" dirty="0" smtClean="0"/>
+              <a:t>qué </a:t>
+            </a:r>
+            <a:r>
+              <a:rPr lang="es-HN" dirty="0" smtClean="0"/>
+              <a:t>está </a:t>
+            </a:r>
+            <a:r>
+              <a:rPr lang="es-HN" b="1" dirty="0" smtClean="0"/>
+              <a:t>relacionado</a:t>
+            </a:r>
+            <a:r>
+              <a:rPr lang="es-HN" dirty="0" smtClean="0"/>
+              <a:t> a la tarea del usuario?</a:t>
             </a:r>
           </a:p>
           <a:p>
             <a:pPr lvl="1"/>
             <a:r>
               <a:rPr lang="es-HN" dirty="0" smtClean="0"/>
-              <a:t>¿Y cómo obtener esa información?</a:t>
-            </a:r>
-          </a:p>
-          <a:p>
-            <a:r>
-              <a:rPr lang="es-HN" dirty="0" smtClean="0"/>
-              <a:t>¿Cómo saber que está relacionado a la tarea del usuario?</a:t>
+              <a:t>¿Cómo definimos la tarea del usuario?</a:t>
             </a:r>
           </a:p>
           <a:p>
             <a:pPr lvl="1"/>
             <a:r>
               <a:rPr lang="es-HN" dirty="0" smtClean="0"/>
-              <a:t>¿Cómo definimos la tarea del usuario?</a:t>
-            </a:r>
-          </a:p>
-          <a:p>
-            <a:pPr lvl="1"/>
-            <a:r>
-              <a:rPr lang="es-HN" dirty="0" smtClean="0"/>
-              <a:t>¿Nos sirve saber algo de antemano?</a:t>
+              <a:t>¿Nos sirve saber algo de </a:t>
+            </a:r>
+            <a:r>
+              <a:rPr lang="es-HN" dirty="0" smtClean="0"/>
+              <a:t>antemano, por ejemplo, sobre el curso?</a:t>
+            </a:r>
+          </a:p>
+          <a:p>
+            <a:r>
+              <a:rPr lang="es-HN" dirty="0" smtClean="0"/>
+              <a:t>¿Cómo </a:t>
+            </a:r>
+            <a:r>
+              <a:rPr lang="es-HN" b="1" dirty="0" smtClean="0"/>
+              <a:t>presentar</a:t>
+            </a:r>
+            <a:r>
+              <a:rPr lang="es-HN" dirty="0" smtClean="0"/>
+              <a:t> los resultados?</a:t>
             </a:r>
             <a:endParaRPr lang="es-HN" dirty="0" smtClean="0"/>
           </a:p>
@@ -4579,11 +5076,7 @@
           <a:p>
             <a:r>
               <a:rPr lang="es-HN" dirty="0" smtClean="0"/>
-              <a:t>Marco teórico: Recuperación </a:t>
-            </a:r>
-            <a:r>
-              <a:rPr lang="es-HN" dirty="0" smtClean="0"/>
-              <a:t>de la información</a:t>
+              <a:t>Marco teórico: Recuperación de la información</a:t>
             </a:r>
             <a:endParaRPr lang="es-HN" dirty="0"/>
           </a:p>
@@ -4634,11 +5127,7 @@
           <a:p>
             <a:r>
               <a:rPr lang="es-HN" dirty="0" smtClean="0"/>
-              <a:t>Espera que el usuario revise los resultados y refine la consulta</a:t>
-            </a:r>
-            <a:r>
-              <a:rPr lang="es-HN" dirty="0" smtClean="0"/>
-              <a:t>.</a:t>
+              <a:t>Espera que el usuario revise los resultados y refine la consulta.</a:t>
             </a:r>
           </a:p>
           <a:p>
@@ -4711,26 +5200,12 @@
         </p:nvSpPr>
         <p:spPr/>
         <p:txBody>
-          <a:bodyPr>
-            <a:normAutofit fontScale="90000"/>
-          </a:bodyPr>
-          <a:lstStyle/>
-          <a:p>
-            <a:r>
-              <a:rPr lang="es-HN" dirty="0" smtClean="0"/>
-              <a:t>Marco teórico: </a:t>
-            </a:r>
-            <a:r>
-              <a:rPr lang="es-HN" dirty="0" smtClean="0"/>
-              <a:t>Sistemas </a:t>
-            </a:r>
-            <a:r>
-              <a:rPr lang="es-HN" dirty="0" smtClean="0"/>
-              <a:t>de </a:t>
-            </a:r>
-            <a:r>
-              <a:rPr lang="es-HN" dirty="0" smtClean="0"/>
-              <a:t>recomendación en general</a:t>
+          <a:bodyPr/>
+          <a:lstStyle/>
+          <a:p>
+            <a:r>
+              <a:rPr lang="es-HN" dirty="0" smtClean="0"/>
+              <a:t>Marco teórico: perfiles de usuario</a:t>
             </a:r>
             <a:endParaRPr lang="es-HN" dirty="0"/>
           </a:p>
@@ -4753,85 +5228,84 @@
           <a:p>
             <a:r>
               <a:rPr lang="es-HN" dirty="0" smtClean="0"/>
-              <a:t>Se basan en </a:t>
-            </a:r>
-            <a:r>
-              <a:rPr lang="es-HN" dirty="0" smtClean="0"/>
-              <a:t>un artículo que </a:t>
+              <a:t>Representación: ¿</a:t>
             </a:r>
             <a:r>
               <a:rPr lang="es-HN" b="1" dirty="0" smtClean="0"/>
-              <a:t>ya conocen</a:t>
-            </a:r>
-            <a:r>
-              <a:rPr lang="es-HN" dirty="0" smtClean="0"/>
-              <a:t> y que el usuario está manipulando.</a:t>
-            </a:r>
-          </a:p>
-          <a:p>
+              <a:t>cómo manejarlo</a:t>
+            </a:r>
+            <a:r>
+              <a:rPr lang="es-HN" dirty="0" smtClean="0"/>
+              <a:t>?</a:t>
+            </a:r>
+          </a:p>
+          <a:p>
+            <a:pPr lvl="1"/>
+            <a:r>
+              <a:rPr lang="es-HN" dirty="0" smtClean="0"/>
+              <a:t>Términos (vectores, grafos, jerarquías)</a:t>
+            </a:r>
+          </a:p>
+          <a:p>
+            <a:pPr lvl="1"/>
+            <a:r>
+              <a:rPr lang="es-HN" dirty="0" smtClean="0"/>
+              <a:t>Conceptos (ontologías)</a:t>
+            </a:r>
+            <a:endParaRPr lang="es-HN" dirty="0"/>
+          </a:p>
+          <a:p>
+            <a:r>
+              <a:rPr lang="es-HN" dirty="0" smtClean="0"/>
+              <a:t>Construcción: ¿</a:t>
+            </a:r>
             <a:r>
               <a:rPr lang="es-HN" b="1" dirty="0" smtClean="0"/>
-              <a:t>Filtran</a:t>
-            </a:r>
-            <a:r>
-              <a:rPr lang="es-HN" dirty="0" smtClean="0"/>
-              <a:t> los artículos existentes</a:t>
-            </a:r>
+              <a:t>de dónde alimentarlo</a:t>
+            </a:r>
+            <a:r>
+              <a:rPr lang="es-HN" dirty="0" smtClean="0"/>
+              <a:t>?</a:t>
+            </a:r>
+          </a:p>
+          <a:p>
+            <a:pPr lvl="1"/>
+            <a:r>
+              <a:rPr lang="es-HN" dirty="0" smtClean="0"/>
+              <a:t>Retroalimentación</a:t>
+            </a:r>
+          </a:p>
+          <a:p>
+            <a:pPr lvl="1"/>
+            <a:r>
+              <a:rPr lang="es-HN" dirty="0" smtClean="0"/>
+              <a:t>Participación</a:t>
+            </a:r>
+          </a:p>
+          <a:p>
+            <a:r>
+              <a:rPr lang="es-HN" dirty="0" smtClean="0"/>
+              <a:t>Actualización: ¿</a:t>
+            </a:r>
+            <a:r>
+              <a:rPr lang="es-HN" b="1" dirty="0" smtClean="0"/>
+              <a:t>cómo evoluciona</a:t>
+            </a:r>
+            <a:r>
+              <a:rPr lang="es-HN" dirty="0" smtClean="0"/>
+              <a:t>?</a:t>
+            </a:r>
+          </a:p>
+          <a:p>
+            <a:pPr lvl="1"/>
+            <a:r>
+              <a:rPr lang="es-HN" dirty="0" smtClean="0"/>
+              <a:t>Depende de la representación</a:t>
+            </a:r>
+          </a:p>
+          <a:p>
+            <a:pPr lvl="1"/>
             <a:endParaRPr lang="es-HN" dirty="0" smtClean="0"/>
-          </a:p>
-          <a:p>
-            <a:pPr lvl="1"/>
-            <a:r>
-              <a:rPr lang="es-HN" dirty="0" smtClean="0"/>
-              <a:t>Pueden partir del perfil del usuario y el </a:t>
-            </a:r>
-            <a:r>
-              <a:rPr lang="es-HN" b="1" dirty="0" smtClean="0"/>
-              <a:t>contenido</a:t>
-            </a:r>
-            <a:r>
-              <a:rPr lang="es-HN" dirty="0" smtClean="0"/>
-              <a:t>.</a:t>
-            </a:r>
-          </a:p>
-          <a:p>
-            <a:pPr lvl="1"/>
-            <a:r>
-              <a:rPr lang="es-HN" dirty="0" smtClean="0"/>
-              <a:t>O de la inteligencia </a:t>
-            </a:r>
-            <a:r>
-              <a:rPr lang="es-HN" dirty="0" smtClean="0"/>
-              <a:t>colectiva</a:t>
-            </a:r>
-            <a:r>
-              <a:rPr lang="es-HN" dirty="0" smtClean="0"/>
-              <a:t>: </a:t>
-            </a:r>
-            <a:r>
-              <a:rPr lang="es-HN" b="1" dirty="0" smtClean="0"/>
-              <a:t>colaborativos.</a:t>
-            </a:r>
-            <a:endParaRPr lang="es-HN" dirty="0" smtClean="0"/>
-          </a:p>
-          <a:p>
-            <a:pPr lvl="1"/>
-            <a:r>
-              <a:rPr lang="es-HN" dirty="0" smtClean="0"/>
-              <a:t>En todo caso, necesitan una etapa de </a:t>
-            </a:r>
-            <a:r>
-              <a:rPr lang="es-HN" b="1" dirty="0" smtClean="0"/>
-              <a:t>aprendizaje</a:t>
-            </a:r>
-            <a:r>
-              <a:rPr lang="es-HN" dirty="0" smtClean="0"/>
-              <a:t> antes de ser efectivos.</a:t>
-            </a:r>
-            <a:endParaRPr lang="es-HN" dirty="0" smtClean="0"/>
-          </a:p>
-          <a:p>
-            <a:endParaRPr lang="es-HN" dirty="0"/>
           </a:p>
         </p:txBody>
       </p:sp>
@@ -4901,7 +5375,7 @@
           <a:p>
             <a:r>
               <a:rPr lang="es-HN" dirty="0" smtClean="0"/>
-              <a:t>Marco teórico: agentes inteligentes</a:t>
+              <a:t>Marco teórico: perfiles de usuario</a:t>
             </a:r>
             <a:endParaRPr lang="es-HN" dirty="0"/>
           </a:p>
@@ -4924,38 +5398,52 @@
           <a:p>
             <a:r>
               <a:rPr lang="es-HN" dirty="0" smtClean="0"/>
-              <a:t>¿Cómo puede la máquina utilizar lo que ya sabe para filtrar información?</a:t>
+              <a:t>Utilización: ¿cómo </a:t>
+            </a:r>
+            <a:r>
+              <a:rPr lang="es-HN" b="1" dirty="0" smtClean="0"/>
+              <a:t>usarlo para filtrar</a:t>
+            </a:r>
+            <a:r>
+              <a:rPr lang="es-HN" dirty="0" smtClean="0"/>
+              <a:t>?</a:t>
             </a:r>
           </a:p>
           <a:p>
             <a:pPr lvl="1"/>
             <a:r>
               <a:rPr lang="es-HN" dirty="0" smtClean="0"/>
-              <a:t>Aprendizaje de máquina: crea </a:t>
+              <a:t>Usar términos en perfil para </a:t>
             </a:r>
             <a:r>
               <a:rPr lang="es-HN" b="1" dirty="0" smtClean="0"/>
-              <a:t>hipótesis</a:t>
-            </a:r>
-            <a:r>
-              <a:rPr lang="es-HN" dirty="0" smtClean="0"/>
-              <a:t> de cómo funciona el mundo en base a su experiencia.</a:t>
+              <a:t>desambiguar o reescribir.</a:t>
             </a:r>
           </a:p>
           <a:p>
             <a:pPr lvl="1"/>
             <a:r>
               <a:rPr lang="es-HN" dirty="0" smtClean="0"/>
-              <a:t>Redes neuronales, inferencia bayesiana, árboles de decisión… En todo caso se debe tratar de encontrar </a:t>
+              <a:t>Filtrar por similitud a los términos más importantes.</a:t>
+            </a:r>
+          </a:p>
+          <a:p>
+            <a:pPr lvl="1"/>
+            <a:r>
+              <a:rPr lang="es-HN" dirty="0" smtClean="0"/>
+              <a:t>Los </a:t>
             </a:r>
             <a:r>
               <a:rPr lang="es-HN" b="1" dirty="0" smtClean="0"/>
-              <a:t>qué define a un curso</a:t>
-            </a:r>
-            <a:r>
-              <a:rPr lang="es-HN" dirty="0" smtClean="0"/>
-              <a:t>.</a:t>
-            </a:r>
+              <a:t>sistemas de recomendación </a:t>
+            </a:r>
+            <a:r>
+              <a:rPr lang="es-HN" dirty="0" smtClean="0"/>
+              <a:t> usan perfiles por contenido o para colaboración.</a:t>
+            </a:r>
+          </a:p>
+          <a:p>
+            <a:pPr lvl="1"/>
             <a:endParaRPr lang="es-HN" dirty="0"/>
           </a:p>
         </p:txBody>
@@ -5028,11 +5516,7 @@
           <a:p>
             <a:r>
               <a:rPr lang="es-HN" dirty="0" smtClean="0"/>
-              <a:t>Marco teórico: Recuperación </a:t>
-            </a:r>
-            <a:r>
-              <a:rPr lang="es-HN" dirty="0" smtClean="0"/>
-              <a:t>oportuna de la información</a:t>
+              <a:t>Marco teórico: Recuperación oportuna de la información</a:t>
             </a:r>
             <a:endParaRPr lang="es-HN" dirty="0"/>
           </a:p>
@@ -5063,13 +5547,8 @@
             </a:r>
             <a:r>
               <a:rPr lang="es-HN" dirty="0" smtClean="0"/>
-              <a:t> en base al contexto local del usuario</a:t>
-            </a:r>
-            <a:r>
-              <a:rPr lang="es-HN" dirty="0" smtClean="0"/>
-              <a:t>.</a:t>
-            </a:r>
-            <a:endParaRPr lang="es-HN" dirty="0" smtClean="0"/>
+              <a:t> en base al contexto local del usuario.</a:t>
+            </a:r>
           </a:p>
           <a:p>
             <a:r>
@@ -5084,16 +5563,20 @@
               <a:rPr lang="es-HN" i="1" dirty="0" smtClean="0"/>
               <a:t>: </a:t>
             </a:r>
-            <a:r>
-              <a:rPr lang="es-HN" dirty="0" smtClean="0"/>
-              <a:t>los documentos más útiles son a veces los menos obvios</a:t>
-            </a:r>
             <a:endParaRPr lang="es-HN" i="1" dirty="0" smtClean="0"/>
           </a:p>
           <a:p>
             <a:r>
               <a:rPr lang="es-HN" dirty="0" smtClean="0"/>
-              <a:t>Se enfoca en la </a:t>
+              <a:t>S</a:t>
+            </a:r>
+            <a:r>
+              <a:rPr lang="es-HN" dirty="0" smtClean="0"/>
+              <a:t>e </a:t>
+            </a:r>
+            <a:r>
+              <a:rPr lang="es-HN" dirty="0" smtClean="0"/>
+              <a:t>enfoca en la </a:t>
             </a:r>
             <a:r>
               <a:rPr lang="es-HN" b="1" dirty="0" smtClean="0"/>
@@ -5107,6 +5590,15 @@
               <a:rPr lang="es-HN" dirty="0" smtClean="0"/>
               <a:t>.</a:t>
             </a:r>
+          </a:p>
+          <a:p>
+            <a:r>
+              <a:rPr lang="es-HN" dirty="0" smtClean="0"/>
+              <a:t>Importancia del diseño de interfaz y relación entre tareas.</a:t>
+            </a:r>
+          </a:p>
+          <a:p>
+            <a:endParaRPr lang="es-HN" dirty="0" smtClean="0"/>
           </a:p>
           <a:p>
             <a:pPr>
@@ -5177,14 +5669,12 @@
         </p:nvSpPr>
         <p:spPr/>
         <p:txBody>
-          <a:bodyPr>
-            <a:normAutofit/>
-          </a:bodyPr>
-          <a:lstStyle/>
-          <a:p>
-            <a:r>
-              <a:rPr lang="es-HN" dirty="0" smtClean="0"/>
-              <a:t>El contexto académico</a:t>
+          <a:bodyPr/>
+          <a:lstStyle/>
+          <a:p>
+            <a:r>
+              <a:rPr lang="es-HN" dirty="0" smtClean="0"/>
+              <a:t>La solución: argumentos y enfoque</a:t>
             </a:r>
             <a:endParaRPr lang="es-HN" dirty="0"/>
           </a:p>
@@ -5207,57 +5697,49 @@
           <a:p>
             <a:r>
               <a:rPr lang="es-HN" dirty="0" smtClean="0"/>
-              <a:t>La educación es </a:t>
+              <a:t>Enfoque: unir la </a:t>
             </a:r>
             <a:r>
               <a:rPr lang="es-HN" b="1" dirty="0" smtClean="0"/>
-              <a:t>social</a:t>
-            </a:r>
-            <a:r>
-              <a:rPr lang="es-HN" dirty="0" smtClean="0"/>
-              <a:t>, no individual.</a:t>
-            </a:r>
-          </a:p>
-          <a:p>
-            <a:r>
-              <a:rPr lang="es-HN" dirty="0" smtClean="0"/>
-              <a:t>Los documentos más útiles son los que el usuario no ha buscado aún: </a:t>
-            </a:r>
-            <a:r>
-              <a:rPr lang="es-HN" dirty="0" smtClean="0"/>
-              <a:t>búsqueda </a:t>
-            </a:r>
-            <a:r>
-              <a:rPr lang="es-HN" dirty="0" smtClean="0"/>
-              <a:t>orientada a </a:t>
+              <a:t>RI personalizada</a:t>
+            </a:r>
+            <a:r>
+              <a:rPr lang="es-HN" dirty="0" smtClean="0"/>
+              <a:t> con la </a:t>
             </a:r>
             <a:r>
               <a:rPr lang="es-HN" b="1" dirty="0" smtClean="0"/>
-              <a:t>conceptos</a:t>
-            </a:r>
-            <a:r>
-              <a:rPr lang="es-HN" dirty="0" smtClean="0"/>
-              <a:t> y no solo palabras clave</a:t>
-            </a:r>
-            <a:r>
-              <a:rPr lang="es-HN" dirty="0" smtClean="0"/>
-              <a:t>.</a:t>
-            </a:r>
-          </a:p>
-          <a:p>
-            <a:r>
-              <a:rPr lang="es-HN" dirty="0" smtClean="0"/>
-              <a:t>Se puede saber algo del curso, con este conocimiento los resultados se pueden</a:t>
+              <a:t>RI oportuna.</a:t>
+            </a:r>
+          </a:p>
+          <a:p>
+            <a:pPr lvl="1"/>
+            <a:r>
+              <a:rPr lang="es-HN" dirty="0" smtClean="0"/>
+              <a:t>Los sistemas de RI no se valen del perfil.</a:t>
+            </a:r>
+          </a:p>
+          <a:p>
+            <a:pPr lvl="1"/>
+            <a:r>
+              <a:rPr lang="es-HN" dirty="0" smtClean="0"/>
+              <a:t>Los de recomendación: artículos conocidos y heterogeneidad .</a:t>
+            </a:r>
+          </a:p>
+          <a:p>
+            <a:pPr lvl="1"/>
+            <a:r>
+              <a:rPr lang="es-HN" dirty="0" smtClean="0"/>
+              <a:t>Entonces: perfilar dominios homogéneos </a:t>
             </a:r>
             <a:r>
               <a:rPr lang="es-HN" b="1" dirty="0" smtClean="0"/>
-              <a:t> filtrar</a:t>
-            </a:r>
-            <a:r>
-              <a:rPr lang="es-HN" dirty="0" smtClean="0"/>
-              <a:t>.</a:t>
-            </a:r>
-            <a:endParaRPr lang="es-HN" dirty="0" smtClean="0"/>
+              <a:t>(cursos).</a:t>
+            </a:r>
+            <a:r>
+              <a:rPr lang="es-HN" dirty="0" smtClean="0"/>
+              <a:t> </a:t>
+            </a:r>
           </a:p>
         </p:txBody>
       </p:sp>
@@ -5327,7 +5809,11 @@
           <a:p>
             <a:r>
               <a:rPr lang="es-HN" dirty="0" smtClean="0"/>
-              <a:t>La solución: qué hacer</a:t>
+              <a:t>La solución: </a:t>
+            </a:r>
+            <a:r>
+              <a:rPr lang="es-HN" dirty="0" smtClean="0"/>
+              <a:t>qué hacer</a:t>
             </a:r>
             <a:endParaRPr lang="es-HN" dirty="0"/>
           </a:p>
@@ -5345,44 +5831,97 @@
         </p:nvSpPr>
         <p:spPr/>
         <p:txBody>
-          <a:bodyPr/>
-          <a:lstStyle/>
-          <a:p>
+          <a:bodyPr>
+            <a:normAutofit lnSpcReduction="10000"/>
+          </a:bodyPr>
+          <a:lstStyle/>
+          <a:p>
+            <a:r>
+              <a:rPr lang="es-HN" dirty="0" smtClean="0"/>
+              <a:t>Crear un perfil </a:t>
+            </a:r>
             <a:r>
               <a:rPr lang="es-HN" b="1" dirty="0" smtClean="0"/>
-              <a:t>Recopilar información </a:t>
-            </a:r>
-            <a:r>
-              <a:rPr lang="es-HN" dirty="0" smtClean="0"/>
-              <a:t>del curso en el que se planifica.</a:t>
-            </a:r>
-          </a:p>
-          <a:p>
-            <a:r>
-              <a:rPr lang="es-HN" dirty="0" smtClean="0"/>
-              <a:t>Buscar documentos y </a:t>
-            </a:r>
+              <a:t>de curso</a:t>
+            </a:r>
+            <a:endParaRPr lang="es-HN" dirty="0" smtClean="0"/>
+          </a:p>
+          <a:p>
+            <a:pPr lvl="1"/>
             <a:r>
               <a:rPr lang="es-HN" b="1" dirty="0" smtClean="0"/>
-              <a:t>ordenar por relevancia/utilidad</a:t>
-            </a:r>
-            <a:r>
-              <a:rPr lang="es-HN" dirty="0" smtClean="0"/>
-              <a:t> en base a la tarea actual y a lo que ya se sabe del curso.</a:t>
-            </a:r>
-          </a:p>
-          <a:p>
-            <a:r>
-              <a:rPr lang="es-HN" dirty="0" smtClean="0"/>
-              <a:t>Hacerlo de manera que </a:t>
+              <a:t>Recopilar </a:t>
             </a:r>
             <a:r>
               <a:rPr lang="es-HN" b="1" dirty="0" smtClean="0"/>
-              <a:t>no interrumpa</a:t>
-            </a:r>
-            <a:r>
-              <a:rPr lang="es-HN" dirty="0" smtClean="0"/>
-              <a:t> la tarea principal.</a:t>
+              <a:t>información </a:t>
+            </a:r>
+            <a:r>
+              <a:rPr lang="es-HN" dirty="0" smtClean="0"/>
+              <a:t>del curso en el que se </a:t>
+            </a:r>
+            <a:r>
+              <a:rPr lang="es-HN" dirty="0" smtClean="0"/>
+              <a:t>planifica a través de las sesiones.</a:t>
+            </a:r>
+            <a:endParaRPr lang="es-HN" dirty="0" smtClean="0"/>
+          </a:p>
+          <a:p>
+            <a:r>
+              <a:rPr lang="es-HN" dirty="0" smtClean="0"/>
+              <a:t>Buscar y filtrar</a:t>
+            </a:r>
+          </a:p>
+          <a:p>
+            <a:pPr lvl="1"/>
+            <a:r>
+              <a:rPr lang="es-HN" dirty="0" smtClean="0"/>
+              <a:t>Obtener </a:t>
+            </a:r>
+            <a:r>
+              <a:rPr lang="es-HN" dirty="0" smtClean="0"/>
+              <a:t>documentos </a:t>
+            </a:r>
+            <a:r>
+              <a:rPr lang="es-HN" b="1" dirty="0" smtClean="0"/>
+              <a:t>útiles:</a:t>
+            </a:r>
+            <a:r>
+              <a:rPr lang="es-HN" dirty="0" smtClean="0"/>
+              <a:t> </a:t>
+            </a:r>
+            <a:r>
+              <a:rPr lang="es-HN" dirty="0" smtClean="0"/>
+              <a:t>en base a la tarea actual y a lo que ya se sabe del curso</a:t>
+            </a:r>
+            <a:r>
+              <a:rPr lang="es-HN" dirty="0" smtClean="0"/>
+              <a:t>.</a:t>
+            </a:r>
+          </a:p>
+          <a:p>
+            <a:r>
+              <a:rPr lang="es-HN" dirty="0" smtClean="0"/>
+              <a:t>Diseñar interfaz</a:t>
+            </a:r>
+          </a:p>
+          <a:p>
+            <a:pPr lvl="1"/>
+            <a:r>
+              <a:rPr lang="es-HN" dirty="0" smtClean="0"/>
+              <a:t>Presentar resultados </a:t>
+            </a:r>
+            <a:r>
+              <a:rPr lang="es-HN" b="1" dirty="0" smtClean="0"/>
+              <a:t>sin interrumpir </a:t>
+            </a:r>
+            <a:r>
+              <a:rPr lang="es-HN" dirty="0" smtClean="0"/>
+              <a:t>la </a:t>
+            </a:r>
+            <a:r>
+              <a:rPr lang="es-HN" dirty="0" smtClean="0"/>
+              <a:t>tarea principal.</a:t>
             </a:r>
             <a:endParaRPr lang="es-HN" dirty="0"/>
           </a:p>
